--- a/APS April 2020 Poster New.pptx
+++ b/APS April 2020 Poster New.pptx
@@ -238,7 +238,7 @@
           <a:p>
             <a:fld id="{71A9164F-6062-4939-9E7C-E788D992CFF1}" type="datetimeFigureOut">
               <a:rPr lang="en-US" smtClean="0"/>
-              <a:t>4/13/2020</a:t>
+              <a:t>4/15/2020</a:t>
             </a:fld>
             <a:endParaRPr lang="en-US"/>
           </a:p>
@@ -725,7 +725,7 @@
           <a:p>
             <a:fld id="{9DC63369-2878-4B93-99A3-771C56153E97}" type="datetimeFigureOut">
               <a:rPr lang="en-US" smtClean="0"/>
-              <a:t>4/13/2020</a:t>
+              <a:t>4/15/2020</a:t>
             </a:fld>
             <a:endParaRPr lang="en-US"/>
           </a:p>
@@ -896,7 +896,7 @@
             <a:fld id="{5DFC66C6-2FA0-5744-8AC7-5AD7F361DA93}" type="datetimeFigureOut">
               <a:rPr lang="en-US" smtClean="0"/>
               <a:pPr/>
-              <a:t>4/13/2020</a:t>
+              <a:t>4/15/2020</a:t>
             </a:fld>
             <a:endParaRPr lang="en-US" dirty="0"/>
           </a:p>
@@ -1078,7 +1078,7 @@
             <a:fld id="{5DFC66C6-2FA0-5744-8AC7-5AD7F361DA93}" type="datetimeFigureOut">
               <a:rPr lang="en-US" smtClean="0"/>
               <a:pPr/>
-              <a:t>4/13/2020</a:t>
+              <a:t>4/15/2020</a:t>
             </a:fld>
             <a:endParaRPr lang="en-US" dirty="0"/>
           </a:p>
@@ -1361,7 +1361,7 @@
             <a:fld id="{5DFC66C6-2FA0-5744-8AC7-5AD7F361DA93}" type="datetimeFigureOut">
               <a:rPr lang="en-US" smtClean="0"/>
               <a:pPr/>
-              <a:t>4/13/2020</a:t>
+              <a:t>4/15/2020</a:t>
             </a:fld>
             <a:endParaRPr lang="en-US" dirty="0"/>
           </a:p>
@@ -1606,7 +1606,7 @@
           <a:p>
             <a:fld id="{9DC63369-2878-4B93-99A3-771C56153E97}" type="datetimeFigureOut">
               <a:rPr lang="en-US" smtClean="0"/>
-              <a:t>4/13/2020</a:t>
+              <a:t>4/15/2020</a:t>
             </a:fld>
             <a:endParaRPr lang="en-US"/>
           </a:p>
@@ -1987,7 +1987,7 @@
             <a:fld id="{5DFC66C6-2FA0-5744-8AC7-5AD7F361DA93}" type="datetimeFigureOut">
               <a:rPr lang="en-US" smtClean="0"/>
               <a:pPr/>
-              <a:t>4/13/2020</a:t>
+              <a:t>4/15/2020</a:t>
             </a:fld>
             <a:endParaRPr lang="en-US" dirty="0"/>
           </a:p>
@@ -2356,7 +2356,7 @@
             <a:fld id="{5DFC66C6-2FA0-5744-8AC7-5AD7F361DA93}" type="datetimeFigureOut">
               <a:rPr lang="en-US" smtClean="0"/>
               <a:pPr/>
-              <a:t>4/13/2020</a:t>
+              <a:t>4/15/2020</a:t>
             </a:fld>
             <a:endParaRPr lang="en-US" dirty="0"/>
           </a:p>
@@ -2476,7 +2476,7 @@
             <a:fld id="{5DFC66C6-2FA0-5744-8AC7-5AD7F361DA93}" type="datetimeFigureOut">
               <a:rPr lang="en-US" smtClean="0"/>
               <a:pPr/>
-              <a:t>4/13/2020</a:t>
+              <a:t>4/15/2020</a:t>
             </a:fld>
             <a:endParaRPr lang="en-US" dirty="0"/>
           </a:p>
@@ -2573,7 +2573,7 @@
             <a:fld id="{5DFC66C6-2FA0-5744-8AC7-5AD7F361DA93}" type="datetimeFigureOut">
               <a:rPr lang="en-US" smtClean="0"/>
               <a:pPr/>
-              <a:t>4/13/2020</a:t>
+              <a:t>4/15/2020</a:t>
             </a:fld>
             <a:endParaRPr lang="en-US" dirty="0"/>
           </a:p>
@@ -2852,7 +2852,7 @@
             <a:fld id="{5DFC66C6-2FA0-5744-8AC7-5AD7F361DA93}" type="datetimeFigureOut">
               <a:rPr lang="en-US" smtClean="0"/>
               <a:pPr/>
-              <a:t>4/13/2020</a:t>
+              <a:t>4/15/2020</a:t>
             </a:fld>
             <a:endParaRPr lang="en-US" dirty="0"/>
           </a:p>
@@ -3111,7 +3111,7 @@
             <a:fld id="{5DFC66C6-2FA0-5744-8AC7-5AD7F361DA93}" type="datetimeFigureOut">
               <a:rPr lang="en-US" smtClean="0"/>
               <a:pPr/>
-              <a:t>4/13/2020</a:t>
+              <a:t>4/15/2020</a:t>
             </a:fld>
             <a:endParaRPr lang="en-US" dirty="0"/>
           </a:p>
@@ -3326,7 +3326,7 @@
             <a:fld id="{5DFC66C6-2FA0-5744-8AC7-5AD7F361DA93}" type="datetimeFigureOut">
               <a:rPr lang="en-US" smtClean="0"/>
               <a:pPr/>
-              <a:t>4/13/2020</a:t>
+              <a:t>4/15/2020</a:t>
             </a:fld>
             <a:endParaRPr lang="en-US" dirty="0"/>
           </a:p>
@@ -4003,16 +4003,16 @@
           <a:p>
             <a:pPr algn="ctr"/>
             <a:r>
-              <a:rPr lang="en-US" sz="6000" b="1">
+              <a:rPr lang="en-US" sz="6000" b="1" dirty="0">
                 <a:solidFill>
                   <a:schemeClr val="bg1"/>
                 </a:solidFill>
                 <a:latin typeface="Tahoma" pitchFamily="-111" charset="0"/>
               </a:rPr>
-              <a:t>Heavy Element Database for the R-process in Neutron Stars</a:t>
-            </a:r>
-            <a:r>
-              <a:rPr lang="en-US" sz="4414" b="1">
+              <a:t>Lanthanide Database for Abundances in Neutron Star Mergers</a:t>
+            </a:r>
+            <a:r>
+              <a:rPr lang="en-US" sz="4414" b="1" dirty="0">
                 <a:solidFill>
                   <a:schemeClr val="bg1"/>
                 </a:solidFill>
@@ -4022,7 +4022,7 @@
 </a:t>
             </a:r>
             <a:r>
-              <a:rPr lang="en-US" sz="2759" b="1">
+              <a:rPr lang="en-US" sz="2759" b="1" dirty="0">
                 <a:solidFill>
                   <a:schemeClr val="bg1"/>
                 </a:solidFill>
@@ -4161,21 +4161,7 @@
                 <a:latin typeface="Times New Roman" panose="02020603050405020304" pitchFamily="18" charset="0"/>
                 <a:cs typeface="Times New Roman" panose="02020603050405020304" pitchFamily="18" charset="0"/>
               </a:rPr>
-              <a:t>Up until now, scientists have figured out where most of the elements of the periodic table originate. Big Bang Nucleosynthesis, or the synthesis of the elements specifically after the Big Bang, involved the creation of helium and lithium atoms through hydrogen atoms. In the 20</a:t>
-            </a:r>
-            <a:r>
-              <a:rPr lang="en-US" sz="2000" baseline="30000" dirty="0">
-                <a:latin typeface="Times New Roman" panose="02020603050405020304" pitchFamily="18" charset="0"/>
-                <a:cs typeface="Times New Roman" panose="02020603050405020304" pitchFamily="18" charset="0"/>
-              </a:rPr>
-              <a:t>th</a:t>
-            </a:r>
-            <a:r>
-              <a:rPr lang="en-US" sz="3600" baseline="-25000" dirty="0">
-                <a:latin typeface="Times New Roman" panose="02020603050405020304" pitchFamily="18" charset="0"/>
-                <a:cs typeface="Times New Roman" panose="02020603050405020304" pitchFamily="18" charset="0"/>
-              </a:rPr>
-              <a:t> century, nuclear fusion in the cores of stars became the prime process used to form the elements up to iron. Supernovae, or the violent explosions marking the deaths of these stars, formed quite a few of the heavier elements through the rapid neutron capture process, or r-process. In this, atoms capture neutrons in a neutron-rich environment like a supernovae, creating a radioactive isotope that later decays into stable ones. However, a new class of astronomical event seems to be the source of the remaining r-process elements: neutron star mergers. These neutron star mergers(NSMs) are often the most neutron-rich events in the universe, so they are necessary for the formation of the rather heavy elements, most notably the lanthanides and actinides. Understanding all the details to this event will uncover why there is such a large abundance of elements like gold and uranium. In fact, there has been two confirmed NSMs, most notably GW170817 in 2017. This merger also had an associated kilonova, the optical transient. By studying its spectra, one can deduce which elements were created in the merger event as the radioactive and energetic atoms release light that all contribute to this observed spectra.</a:t>
+              <a:t>Big Bang Nucleosynthesis, or the synthesis of the elements specifically after the Big Bang, involved the creation of helium and lithium atoms through hydrogen atoms. Nuclear fusion in the cores of stars became the prime process used to form the elements up to iron. Supernovae, or the violent explosions marking the deaths of these stars, formed quite a few of the heavier elements through the rapid neutron capture process, or r-process. Atoms capture neutrons in a neutron-rich environment, creating a radioactive isotope that later decays into stable ones. However, a new class of astronomical event seems to be the source of the remaining r-process elements: neutron star mergers. These neutron star mergers(NSMs) are often the most neutron-rich events in the universe, so they are necessary for the formation of the rather heavy elements, most notably the lanthanides and actinides. Understanding all the details to this event will uncover why there is such a large abundance of elements like gold and uranium. There has been two confirmed NSMs, most notably GW170817 in 2017. This merger also had an associated kilonova, the optical transient. By studying its spectra, one can deduce which elements were created in the merger event as the radioactive and energetic atoms release light that all contribute to this observed spectra.</a:t>
             </a:r>
           </a:p>
           <a:p>
@@ -4303,7 +4289,7 @@
                 <a:latin typeface="Times New Roman" panose="02020603050405020304" pitchFamily="18" charset="0"/>
                 <a:cs typeface="Times New Roman" panose="02020603050405020304" pitchFamily="18" charset="0"/>
               </a:rPr>
-              <a:t>Why We Study the Event</a:t>
+              <a:t>Motivation</a:t>
             </a:r>
             <a:endParaRPr lang="en-US" sz="3600" baseline="-25000" dirty="0">
               <a:latin typeface="Times New Roman" panose="02020603050405020304" pitchFamily="18" charset="0"/>
@@ -4744,7 +4730,7 @@
         </p:blipFill>
         <p:spPr>
           <a:xfrm>
-            <a:off x="171504" y="19828978"/>
+            <a:off x="47113" y="19416023"/>
             <a:ext cx="6100452" cy="4788871"/>
           </a:xfrm>
           <a:prstGeom prst="rect">
@@ -4773,7 +4759,7 @@
         </p:blipFill>
         <p:spPr>
           <a:xfrm>
-            <a:off x="6709447" y="19978276"/>
+            <a:off x="6687318" y="19565321"/>
             <a:ext cx="5663213" cy="4639573"/>
           </a:xfrm>
           <a:prstGeom prst="rect">
@@ -4795,7 +4781,7 @@
         </p:nvSpPr>
         <p:spPr>
           <a:xfrm>
-            <a:off x="1229496" y="24918641"/>
+            <a:off x="1012238" y="24593833"/>
             <a:ext cx="5042460" cy="738664"/>
           </a:xfrm>
           <a:prstGeom prst="rect">
@@ -4833,7 +4819,7 @@
         </p:nvSpPr>
         <p:spPr>
           <a:xfrm>
-            <a:off x="7019823" y="24895557"/>
+            <a:off x="7019823" y="24581840"/>
             <a:ext cx="5042460" cy="738664"/>
           </a:xfrm>
           <a:prstGeom prst="rect">
@@ -4900,7 +4886,7 @@
         <p:spPr>
           <a:xfrm>
             <a:off x="13036553" y="2880216"/>
-            <a:ext cx="12449687" cy="27976890"/>
+            <a:ext cx="12449687" cy="23360241"/>
           </a:xfrm>
           <a:prstGeom prst="rect">
             <a:avLst/>
@@ -4935,104 +4921,8 @@
                 <a:latin typeface="Times New Roman" panose="02020603050405020304" pitchFamily="18" charset="0"/>
                 <a:cs typeface="Times New Roman" panose="02020603050405020304" pitchFamily="18" charset="0"/>
               </a:rPr>
-              <a:t>Considering this project ties Atomic Physics with Nuclear Astrophysics, it’s become necessary to compile an extensive dataset of the amount of known energy levels for each lanthanide and actinide. Knowing the amount is important since one can figure out the ionization states and their abundances in the merger material but not about each energy level contributing to the overall spectra. We gathered this data through the National Institute of Standards and Technology(NIST) atomic spectra database. Literature searches were also conducted to see how various researchers predicted the kilonova spectra despite the lack of energy level information present. While two versions of spectra approximations existed, Sobolov line expansion and line-smearing, we figured studying the abundances directly would yield a better understanding of the distribution for the energy levels.</a:t>
-            </a:r>
-          </a:p>
-          <a:p>
-            <a:endParaRPr lang="en-US" sz="3600" baseline="-25000" dirty="0">
-              <a:latin typeface="Times New Roman" panose="02020603050405020304" pitchFamily="18" charset="0"/>
-              <a:cs typeface="Times New Roman" panose="02020603050405020304" pitchFamily="18" charset="0"/>
-            </a:endParaRPr>
-          </a:p>
-          <a:p>
-            <a:endParaRPr lang="en-US" sz="3600" baseline="-25000" dirty="0">
-              <a:latin typeface="Times New Roman" panose="02020603050405020304" pitchFamily="18" charset="0"/>
-              <a:cs typeface="Times New Roman" panose="02020603050405020304" pitchFamily="18" charset="0"/>
-            </a:endParaRPr>
-          </a:p>
-          <a:p>
-            <a:endParaRPr lang="en-US" sz="3600" baseline="-25000" dirty="0">
-              <a:latin typeface="Times New Roman" panose="02020603050405020304" pitchFamily="18" charset="0"/>
-              <a:cs typeface="Times New Roman" panose="02020603050405020304" pitchFamily="18" charset="0"/>
-            </a:endParaRPr>
-          </a:p>
-          <a:p>
-            <a:endParaRPr lang="en-US" sz="3600" baseline="-25000" dirty="0">
-              <a:latin typeface="Times New Roman" panose="02020603050405020304" pitchFamily="18" charset="0"/>
-              <a:cs typeface="Times New Roman" panose="02020603050405020304" pitchFamily="18" charset="0"/>
-            </a:endParaRPr>
-          </a:p>
-          <a:p>
-            <a:endParaRPr lang="en-US" sz="3600" baseline="-25000" dirty="0">
-              <a:latin typeface="Times New Roman" panose="02020603050405020304" pitchFamily="18" charset="0"/>
-              <a:cs typeface="Times New Roman" panose="02020603050405020304" pitchFamily="18" charset="0"/>
-            </a:endParaRPr>
-          </a:p>
-          <a:p>
-            <a:endParaRPr lang="en-US" sz="3600" baseline="-25000" dirty="0">
-              <a:latin typeface="Times New Roman" panose="02020603050405020304" pitchFamily="18" charset="0"/>
-              <a:cs typeface="Times New Roman" panose="02020603050405020304" pitchFamily="18" charset="0"/>
-            </a:endParaRPr>
-          </a:p>
-          <a:p>
-            <a:endParaRPr lang="en-US" sz="3600" baseline="-25000" dirty="0">
-              <a:latin typeface="Times New Roman" panose="02020603050405020304" pitchFamily="18" charset="0"/>
-              <a:cs typeface="Times New Roman" panose="02020603050405020304" pitchFamily="18" charset="0"/>
-            </a:endParaRPr>
-          </a:p>
-          <a:p>
-            <a:endParaRPr lang="en-US" sz="3600" baseline="-25000" dirty="0">
-              <a:latin typeface="Times New Roman" panose="02020603050405020304" pitchFamily="18" charset="0"/>
-              <a:cs typeface="Times New Roman" panose="02020603050405020304" pitchFamily="18" charset="0"/>
-            </a:endParaRPr>
-          </a:p>
-          <a:p>
-            <a:endParaRPr lang="en-US" sz="3600" baseline="-25000" dirty="0">
-              <a:latin typeface="Times New Roman" panose="02020603050405020304" pitchFamily="18" charset="0"/>
-              <a:cs typeface="Times New Roman" panose="02020603050405020304" pitchFamily="18" charset="0"/>
-            </a:endParaRPr>
-          </a:p>
-          <a:p>
-            <a:endParaRPr lang="en-US" sz="3600" baseline="-25000" dirty="0">
-              <a:latin typeface="Times New Roman" panose="02020603050405020304" pitchFamily="18" charset="0"/>
-              <a:cs typeface="Times New Roman" panose="02020603050405020304" pitchFamily="18" charset="0"/>
-            </a:endParaRPr>
-          </a:p>
-          <a:p>
-            <a:endParaRPr lang="en-US" sz="3600" baseline="-25000" dirty="0">
-              <a:latin typeface="Times New Roman" panose="02020603050405020304" pitchFamily="18" charset="0"/>
-              <a:cs typeface="Times New Roman" panose="02020603050405020304" pitchFamily="18" charset="0"/>
-            </a:endParaRPr>
-          </a:p>
-          <a:p>
-            <a:endParaRPr lang="en-US" sz="3600" baseline="-25000" dirty="0">
-              <a:latin typeface="Times New Roman" panose="02020603050405020304" pitchFamily="18" charset="0"/>
-              <a:cs typeface="Times New Roman" panose="02020603050405020304" pitchFamily="18" charset="0"/>
-            </a:endParaRPr>
-          </a:p>
-          <a:p>
-            <a:endParaRPr lang="en-US" sz="3600" baseline="-25000" dirty="0">
-              <a:latin typeface="Times New Roman" panose="02020603050405020304" pitchFamily="18" charset="0"/>
-              <a:cs typeface="Times New Roman" panose="02020603050405020304" pitchFamily="18" charset="0"/>
-            </a:endParaRPr>
-          </a:p>
-          <a:p>
-            <a:endParaRPr lang="en-US" sz="3600" baseline="-25000" dirty="0">
-              <a:latin typeface="Times New Roman" panose="02020603050405020304" pitchFamily="18" charset="0"/>
-              <a:cs typeface="Times New Roman" panose="02020603050405020304" pitchFamily="18" charset="0"/>
-            </a:endParaRPr>
-          </a:p>
-          <a:p>
-            <a:endParaRPr lang="en-US" sz="3600" baseline="-25000" dirty="0">
-              <a:latin typeface="Times New Roman" panose="02020603050405020304" pitchFamily="18" charset="0"/>
-              <a:cs typeface="Times New Roman" panose="02020603050405020304" pitchFamily="18" charset="0"/>
-            </a:endParaRPr>
-          </a:p>
-          <a:p>
-            <a:endParaRPr lang="en-US" sz="3600" baseline="-25000" dirty="0">
-              <a:latin typeface="Times New Roman" panose="02020603050405020304" pitchFamily="18" charset="0"/>
-              <a:cs typeface="Times New Roman" panose="02020603050405020304" pitchFamily="18" charset="0"/>
-            </a:endParaRPr>
+              <a:t>Skynet, a nuclear reaction network code developed by Jonas Lippuner and Luke Roberts, was utilized to output all the elemental abundances for hydrogen all the way to elements beyond oganesson. The Saha equation is utilized here since there is a useful relationship between the nth and (n+1)th ionization states. However, since we didn't ‘t have access to any specific ionization state or any free electron fraction values across time, we developed numerous equations relating the elemental abundances to each ionization state abundance. Using these equations, we built three abundance functions: the first used only one element, samarium, to calculate the abundances across all 63 ionization states while the second involved two elements, samarium and europium. The final code simply requires the user to input any number of elements they want and which ones to consider.  An important idea to note is that the abundance calculation code only utilizes data for elements 1 to 103 since we are focused on the lanthanides and actinides only. Also, the NIST table has numerous gaps in their database of ionization potentials for any element heavier than lawrencium. </a:t>
+            </a:r>
           </a:p>
           <a:p>
             <a:endParaRPr lang="en-US" sz="3600" baseline="-25000" dirty="0">
@@ -5042,6 +4932,137 @@
               <a:latin typeface="Times New Roman" panose="02020603050405020304" pitchFamily="18" charset="0"/>
               <a:cs typeface="Times New Roman" panose="02020603050405020304" pitchFamily="18" charset="0"/>
             </a:endParaRPr>
+          </a:p>
+          <a:p>
+            <a:endParaRPr lang="en-US" sz="3600" baseline="-25000" dirty="0">
+              <a:solidFill>
+                <a:srgbClr val="FF0000"/>
+              </a:solidFill>
+              <a:latin typeface="Times New Roman" panose="02020603050405020304" pitchFamily="18" charset="0"/>
+              <a:cs typeface="Times New Roman" panose="02020603050405020304" pitchFamily="18" charset="0"/>
+            </a:endParaRPr>
+          </a:p>
+          <a:p>
+            <a:endParaRPr lang="en-US" sz="3600" baseline="-25000" dirty="0">
+              <a:solidFill>
+                <a:srgbClr val="FF0000"/>
+              </a:solidFill>
+              <a:latin typeface="Times New Roman" panose="02020603050405020304" pitchFamily="18" charset="0"/>
+              <a:cs typeface="Times New Roman" panose="02020603050405020304" pitchFamily="18" charset="0"/>
+            </a:endParaRPr>
+          </a:p>
+          <a:p>
+            <a:endParaRPr lang="en-US" sz="3600" baseline="-25000" dirty="0">
+              <a:solidFill>
+                <a:srgbClr val="FF0000"/>
+              </a:solidFill>
+              <a:latin typeface="Times New Roman" panose="02020603050405020304" pitchFamily="18" charset="0"/>
+              <a:cs typeface="Times New Roman" panose="02020603050405020304" pitchFamily="18" charset="0"/>
+            </a:endParaRPr>
+          </a:p>
+          <a:p>
+            <a:endParaRPr lang="en-US" sz="3600" baseline="-25000" dirty="0">
+              <a:solidFill>
+                <a:srgbClr val="FF0000"/>
+              </a:solidFill>
+              <a:latin typeface="Times New Roman" panose="02020603050405020304" pitchFamily="18" charset="0"/>
+              <a:cs typeface="Times New Roman" panose="02020603050405020304" pitchFamily="18" charset="0"/>
+            </a:endParaRPr>
+          </a:p>
+          <a:p>
+            <a:pPr algn="ctr"/>
+            <a:endParaRPr lang="en-US" sz="3600" baseline="-25000" dirty="0">
+              <a:latin typeface="Times New Roman" panose="02020603050405020304" pitchFamily="18" charset="0"/>
+              <a:cs typeface="Times New Roman" panose="02020603050405020304" pitchFamily="18" charset="0"/>
+            </a:endParaRPr>
+          </a:p>
+          <a:p>
+            <a:pPr marL="571500" indent="-571500">
+              <a:buFont typeface="Arial" panose="020B0604020202020204" pitchFamily="34" charset="0"/>
+              <a:buChar char="•"/>
+            </a:pPr>
+            <a:endParaRPr lang="en-US" sz="3600" baseline="-25000" dirty="0">
+              <a:latin typeface="Times New Roman" panose="02020603050405020304" pitchFamily="18" charset="0"/>
+              <a:cs typeface="Times New Roman" panose="02020603050405020304" pitchFamily="18" charset="0"/>
+            </a:endParaRPr>
+          </a:p>
+          <a:p>
+            <a:endParaRPr lang="en-US" sz="3600" baseline="-25000" dirty="0">
+              <a:latin typeface="Times New Roman" panose="02020603050405020304" pitchFamily="18" charset="0"/>
+              <a:cs typeface="Times New Roman" panose="02020603050405020304" pitchFamily="18" charset="0"/>
+            </a:endParaRPr>
+          </a:p>
+          <a:p>
+            <a:endParaRPr lang="en-US" sz="3600" baseline="-25000" dirty="0">
+              <a:latin typeface="Times New Roman" panose="02020603050405020304" pitchFamily="18" charset="0"/>
+              <a:cs typeface="Times New Roman" panose="02020603050405020304" pitchFamily="18" charset="0"/>
+            </a:endParaRPr>
+          </a:p>
+          <a:p>
+            <a:pPr marL="571500" indent="-571500">
+              <a:buFont typeface="Arial" panose="020B0604020202020204" pitchFamily="34" charset="0"/>
+              <a:buChar char="•"/>
+            </a:pPr>
+            <a:endParaRPr lang="en-US" sz="3600" baseline="-25000" dirty="0">
+              <a:latin typeface="Times New Roman" panose="02020603050405020304" pitchFamily="18" charset="0"/>
+              <a:cs typeface="Times New Roman" panose="02020603050405020304" pitchFamily="18" charset="0"/>
+            </a:endParaRPr>
+          </a:p>
+          <a:p>
+            <a:pPr marL="571500" indent="-571500">
+              <a:buFont typeface="Arial" panose="020B0604020202020204" pitchFamily="34" charset="0"/>
+              <a:buChar char="•"/>
+            </a:pPr>
+            <a:endParaRPr lang="en-US" sz="3600" baseline="-25000" dirty="0">
+              <a:latin typeface="Times New Roman" panose="02020603050405020304" pitchFamily="18" charset="0"/>
+              <a:cs typeface="Times New Roman" panose="02020603050405020304" pitchFamily="18" charset="0"/>
+            </a:endParaRPr>
+          </a:p>
+          <a:p>
+            <a:pPr marL="571500" indent="-571500">
+              <a:buFont typeface="Arial" panose="020B0604020202020204" pitchFamily="34" charset="0"/>
+              <a:buChar char="•"/>
+            </a:pPr>
+            <a:endParaRPr lang="en-US" sz="3600" baseline="-25000" dirty="0">
+              <a:latin typeface="Times New Roman" panose="02020603050405020304" pitchFamily="18" charset="0"/>
+              <a:cs typeface="Times New Roman" panose="02020603050405020304" pitchFamily="18" charset="0"/>
+            </a:endParaRPr>
+          </a:p>
+          <a:p>
+            <a:pPr algn="ctr"/>
+            <a:endParaRPr lang="en-US" sz="3600" u="sng" baseline="-25000" dirty="0">
+              <a:latin typeface="Times New Roman" panose="02020603050405020304" pitchFamily="18" charset="0"/>
+              <a:cs typeface="Times New Roman" panose="02020603050405020304" pitchFamily="18" charset="0"/>
+            </a:endParaRPr>
+          </a:p>
+          <a:p>
+            <a:pPr marL="571500" indent="-571500">
+              <a:buFont typeface="Arial" panose="020B0604020202020204" pitchFamily="34" charset="0"/>
+              <a:buChar char="•"/>
+            </a:pPr>
+            <a:endParaRPr lang="en-US" sz="3600" baseline="-25000" dirty="0">
+              <a:latin typeface="Times New Roman" panose="02020603050405020304" pitchFamily="18" charset="0"/>
+              <a:cs typeface="Times New Roman" panose="02020603050405020304" pitchFamily="18" charset="0"/>
+            </a:endParaRPr>
+          </a:p>
+          <a:p>
+            <a:endParaRPr lang="en-US" sz="3600" baseline="-25000" dirty="0">
+              <a:latin typeface="Times New Roman" panose="02020603050405020304" pitchFamily="18" charset="0"/>
+              <a:cs typeface="Times New Roman" panose="02020603050405020304" pitchFamily="18" charset="0"/>
+            </a:endParaRPr>
+          </a:p>
+          <a:p>
+            <a:pPr algn="ctr"/>
+            <a:r>
+              <a:rPr lang="en-US" sz="5400" b="1" baseline="-25000" dirty="0">
+                <a:solidFill>
+                  <a:srgbClr val="FF0000"/>
+                </a:solidFill>
+                <a:latin typeface="Times New Roman" panose="02020603050405020304" pitchFamily="18" charset="0"/>
+                <a:cs typeface="Times New Roman" panose="02020603050405020304" pitchFamily="18" charset="0"/>
+              </a:rPr>
+              <a:t>Results and Analysis</a:t>
+            </a:r>
           </a:p>
           <a:p>
             <a:r>
@@ -5049,60 +5070,78 @@
                 <a:latin typeface="Times New Roman" panose="02020603050405020304" pitchFamily="18" charset="0"/>
                 <a:cs typeface="Times New Roman" panose="02020603050405020304" pitchFamily="18" charset="0"/>
               </a:rPr>
-              <a:t>Skynet, a nuclear reaction network code developed by Jonas Lippuner and Luke Roberts, was utilized to output all the elemental abundances for hydrogen all the way to elements beyond oganesson. The Saha equation is utilized here since there is a useful relationship between the nth and (n+1)th ionization states. However, since we didn't ‘t have access to any specific ionization state or any free electron fraction values across time, we developed numerous equations relating the elemental abundances to each ionization state abundance. Using these equations, we built three abundance functions: the first used only one element, samarium, to calculate the abundances across all 63 ionization states while the second involved two elements, samarium and europium. The final code simply requires the user to input any number of elements they want and which ones to consider.  An important idea to note is that the abundance calculation code only utilizes data for elements 1 to 103 since we are focused on the lanthanides and actinides only. Also, the NIST table has numerous gaps in their database of ionization potentials for any element heavier than lawrencium,. </a:t>
-            </a:r>
-          </a:p>
-          <a:p>
-            <a:endParaRPr lang="en-US" sz="3600" baseline="-25000" dirty="0">
-              <a:solidFill>
-                <a:srgbClr val="FF0000"/>
-              </a:solidFill>
-              <a:latin typeface="Times New Roman" panose="02020603050405020304" pitchFamily="18" charset="0"/>
-              <a:cs typeface="Times New Roman" panose="02020603050405020304" pitchFamily="18" charset="0"/>
-            </a:endParaRPr>
-          </a:p>
-          <a:p>
-            <a:endParaRPr lang="en-US" sz="3600" baseline="-25000" dirty="0">
-              <a:solidFill>
-                <a:srgbClr val="FF0000"/>
-              </a:solidFill>
-              <a:latin typeface="Times New Roman" panose="02020603050405020304" pitchFamily="18" charset="0"/>
-              <a:cs typeface="Times New Roman" panose="02020603050405020304" pitchFamily="18" charset="0"/>
-            </a:endParaRPr>
-          </a:p>
-          <a:p>
-            <a:endParaRPr lang="en-US" sz="3600" baseline="-25000" dirty="0">
-              <a:solidFill>
-                <a:srgbClr val="FF0000"/>
-              </a:solidFill>
-              <a:latin typeface="Times New Roman" panose="02020603050405020304" pitchFamily="18" charset="0"/>
-              <a:cs typeface="Times New Roman" panose="02020603050405020304" pitchFamily="18" charset="0"/>
-            </a:endParaRPr>
-          </a:p>
-          <a:p>
-            <a:endParaRPr lang="en-US" sz="3600" baseline="-25000" dirty="0">
-              <a:solidFill>
-                <a:srgbClr val="FF0000"/>
-              </a:solidFill>
-              <a:latin typeface="Times New Roman" panose="02020603050405020304" pitchFamily="18" charset="0"/>
-              <a:cs typeface="Times New Roman" panose="02020603050405020304" pitchFamily="18" charset="0"/>
-            </a:endParaRPr>
-          </a:p>
-          <a:p>
-            <a:endParaRPr lang="en-US" sz="3600" baseline="-25000" dirty="0">
-              <a:solidFill>
-                <a:srgbClr val="FF0000"/>
-              </a:solidFill>
-              <a:latin typeface="Times New Roman" panose="02020603050405020304" pitchFamily="18" charset="0"/>
-              <a:cs typeface="Times New Roman" panose="02020603050405020304" pitchFamily="18" charset="0"/>
-            </a:endParaRPr>
-          </a:p>
-          <a:p>
-            <a:pPr algn="ctr"/>
-            <a:endParaRPr lang="en-US" sz="3600" baseline="-25000" dirty="0">
-              <a:latin typeface="Times New Roman" panose="02020603050405020304" pitchFamily="18" charset="0"/>
-              <a:cs typeface="Times New Roman" panose="02020603050405020304" pitchFamily="18" charset="0"/>
-            </a:endParaRPr>
+              <a:t>Our calculations yielded abundances of all ionization states for all elements between Hydrogen and Lawrencium inclusive. For all elements, the abundances for late times after approximately 10</a:t>
+            </a:r>
+            <a:r>
+              <a:rPr lang="en-US" sz="2200" dirty="0">
+                <a:latin typeface="Times New Roman" panose="02020603050405020304" pitchFamily="18" charset="0"/>
+                <a:cs typeface="Times New Roman" panose="02020603050405020304" pitchFamily="18" charset="0"/>
+              </a:rPr>
+              <a:t>-4</a:t>
+            </a:r>
+            <a:r>
+              <a:rPr lang="en-US" sz="2200" baseline="-25000" dirty="0">
+                <a:latin typeface="Times New Roman" panose="02020603050405020304" pitchFamily="18" charset="0"/>
+                <a:cs typeface="Times New Roman" panose="02020603050405020304" pitchFamily="18" charset="0"/>
+              </a:rPr>
+              <a:t> </a:t>
+            </a:r>
+            <a:r>
+              <a:rPr lang="en-US" sz="3600" baseline="-25000" dirty="0">
+                <a:latin typeface="Times New Roman" panose="02020603050405020304" pitchFamily="18" charset="0"/>
+                <a:cs typeface="Times New Roman" panose="02020603050405020304" pitchFamily="18" charset="0"/>
+              </a:rPr>
+              <a:t>sec or below 10</a:t>
+            </a:r>
+            <a:r>
+              <a:rPr lang="en-US" sz="2400" baseline="30000" dirty="0">
+                <a:latin typeface="Times New Roman" panose="02020603050405020304" pitchFamily="18" charset="0"/>
+                <a:cs typeface="Times New Roman" panose="02020603050405020304" pitchFamily="18" charset="0"/>
+              </a:rPr>
+              <a:t>1</a:t>
+            </a:r>
+            <a:r>
+              <a:rPr lang="en-US" sz="2400" baseline="-25000" dirty="0">
+                <a:latin typeface="Times New Roman" panose="02020603050405020304" pitchFamily="18" charset="0"/>
+                <a:cs typeface="Times New Roman" panose="02020603050405020304" pitchFamily="18" charset="0"/>
+              </a:rPr>
+              <a:t> </a:t>
+            </a:r>
+            <a:r>
+              <a:rPr lang="en-US" sz="3600" baseline="-25000" dirty="0">
+                <a:latin typeface="Times New Roman" panose="02020603050405020304" pitchFamily="18" charset="0"/>
+                <a:cs typeface="Times New Roman" panose="02020603050405020304" pitchFamily="18" charset="0"/>
+              </a:rPr>
+              <a:t>eV are all 0 besides the charge neutral state. For early times, so for temperatures larger than 10</a:t>
+            </a:r>
+            <a:r>
+              <a:rPr lang="en-US" sz="2200" dirty="0">
+                <a:latin typeface="Times New Roman" panose="02020603050405020304" pitchFamily="18" charset="0"/>
+                <a:cs typeface="Times New Roman" panose="02020603050405020304" pitchFamily="18" charset="0"/>
+              </a:rPr>
+              <a:t>4</a:t>
+            </a:r>
+            <a:r>
+              <a:rPr lang="en-US" sz="3600" baseline="-25000" dirty="0">
+                <a:latin typeface="Times New Roman" panose="02020603050405020304" pitchFamily="18" charset="0"/>
+                <a:cs typeface="Times New Roman" panose="02020603050405020304" pitchFamily="18" charset="0"/>
+              </a:rPr>
+              <a:t> eV or before 10</a:t>
+            </a:r>
+            <a:r>
+              <a:rPr lang="en-US" sz="2200" dirty="0">
+                <a:latin typeface="Times New Roman" panose="02020603050405020304" pitchFamily="18" charset="0"/>
+                <a:cs typeface="Times New Roman" panose="02020603050405020304" pitchFamily="18" charset="0"/>
+              </a:rPr>
+              <a:t>-2 </a:t>
+            </a:r>
+            <a:r>
+              <a:rPr lang="en-US" sz="3600" baseline="-25000" dirty="0">
+                <a:latin typeface="Times New Roman" panose="02020603050405020304" pitchFamily="18" charset="0"/>
+                <a:cs typeface="Times New Roman" panose="02020603050405020304" pitchFamily="18" charset="0"/>
+              </a:rPr>
+              <a:t>sec, the abundances for most ionization states of any element are 0 except for the much more energetic charge states and the fully ionized ones. Note that all the abundances should be 0 besides the fully ionized one at early times but we did not account for electron degeneracy in the mixture. The free and bound electron fractions are calculated independent to Skynet output and contribute to the trends of the total electron fraction. The electron fraction is one of the important aspects of the Saha equation since it is an indicator of how the electrons are distributed in the medium. It affects how abundant certain charge states can be. All the elements’ charge state abundances follow the same pattern: as the energy of the system decreases, a given charge state becomes less dominant at the same time the lower charge states become significant, thus producing these peaks of the abundances. In fact, the crossing where the dominant species changes is approximately where the transition energy occurs. </a:t>
+            </a:r>
           </a:p>
           <a:p>
             <a:pPr marL="571500" indent="-571500">
@@ -5115,18 +5154,6 @@
             </a:endParaRPr>
           </a:p>
           <a:p>
-            <a:endParaRPr lang="en-US" sz="3600" baseline="-25000" dirty="0">
-              <a:latin typeface="Times New Roman" panose="02020603050405020304" pitchFamily="18" charset="0"/>
-              <a:cs typeface="Times New Roman" panose="02020603050405020304" pitchFamily="18" charset="0"/>
-            </a:endParaRPr>
-          </a:p>
-          <a:p>
-            <a:endParaRPr lang="en-US" sz="3600" baseline="-25000" dirty="0">
-              <a:latin typeface="Times New Roman" panose="02020603050405020304" pitchFamily="18" charset="0"/>
-              <a:cs typeface="Times New Roman" panose="02020603050405020304" pitchFamily="18" charset="0"/>
-            </a:endParaRPr>
-          </a:p>
-          <a:p>
             <a:pPr marL="571500" indent="-571500">
               <a:buFont typeface="Arial" panose="020B0604020202020204" pitchFamily="34" charset="0"/>
               <a:buChar char="•"/>
@@ -5157,13 +5184,6 @@
             </a:endParaRPr>
           </a:p>
           <a:p>
-            <a:pPr algn="ctr"/>
-            <a:endParaRPr lang="en-US" sz="3600" u="sng" baseline="-25000" dirty="0">
-              <a:latin typeface="Times New Roman" panose="02020603050405020304" pitchFamily="18" charset="0"/>
-              <a:cs typeface="Times New Roman" panose="02020603050405020304" pitchFamily="18" charset="0"/>
-            </a:endParaRPr>
-          </a:p>
-          <a:p>
             <a:pPr marL="571500" indent="-571500">
               <a:buFont typeface="Arial" panose="020B0604020202020204" pitchFamily="34" charset="0"/>
               <a:buChar char="•"/>
@@ -5234,6 +5254,25 @@
             </a:endParaRPr>
           </a:p>
           <a:p>
+            <a:endParaRPr lang="en-US" sz="3600" baseline="-25000" dirty="0">
+              <a:latin typeface="Times New Roman" panose="02020603050405020304" pitchFamily="18" charset="0"/>
+              <a:cs typeface="Times New Roman" panose="02020603050405020304" pitchFamily="18" charset="0"/>
+            </a:endParaRPr>
+          </a:p>
+          <a:p>
+            <a:endParaRPr lang="en-US" sz="3600" baseline="-25000" dirty="0">
+              <a:latin typeface="Times New Roman" panose="02020603050405020304" pitchFamily="18" charset="0"/>
+              <a:cs typeface="Times New Roman" panose="02020603050405020304" pitchFamily="18" charset="0"/>
+            </a:endParaRPr>
+          </a:p>
+          <a:p>
+            <a:pPr algn="ctr"/>
+            <a:endParaRPr lang="en-US" sz="3600" baseline="-25000" dirty="0">
+              <a:latin typeface="Times New Roman" panose="02020603050405020304" pitchFamily="18" charset="0"/>
+              <a:cs typeface="Times New Roman" panose="02020603050405020304" pitchFamily="18" charset="0"/>
+            </a:endParaRPr>
+          </a:p>
+          <a:p>
             <a:pPr marL="571500" indent="-571500">
               <a:buFont typeface="Arial" panose="020B0604020202020204" pitchFamily="34" charset="0"/>
               <a:buChar char="•"/>
@@ -5263,205 +5302,8 @@
               <a:cs typeface="Times New Roman" panose="02020603050405020304" pitchFamily="18" charset="0"/>
             </a:endParaRPr>
           </a:p>
-          <a:p>
-            <a:pPr marL="571500" indent="-571500">
-              <a:buFont typeface="Arial" panose="020B0604020202020204" pitchFamily="34" charset="0"/>
-              <a:buChar char="•"/>
-            </a:pPr>
-            <a:endParaRPr lang="en-US" sz="3600" baseline="-25000" dirty="0">
-              <a:latin typeface="Times New Roman" panose="02020603050405020304" pitchFamily="18" charset="0"/>
-              <a:cs typeface="Times New Roman" panose="02020603050405020304" pitchFamily="18" charset="0"/>
-            </a:endParaRPr>
-          </a:p>
-          <a:p>
-            <a:pPr marL="571500" indent="-571500">
-              <a:buFont typeface="Arial" panose="020B0604020202020204" pitchFamily="34" charset="0"/>
-              <a:buChar char="•"/>
-            </a:pPr>
-            <a:endParaRPr lang="en-US" sz="3600" baseline="-25000" dirty="0">
-              <a:latin typeface="Times New Roman" panose="02020603050405020304" pitchFamily="18" charset="0"/>
-              <a:cs typeface="Times New Roman" panose="02020603050405020304" pitchFamily="18" charset="0"/>
-            </a:endParaRPr>
-          </a:p>
-          <a:p>
-            <a:pPr marL="571500" indent="-571500">
-              <a:buFont typeface="Arial" panose="020B0604020202020204" pitchFamily="34" charset="0"/>
-              <a:buChar char="•"/>
-            </a:pPr>
-            <a:endParaRPr lang="en-US" sz="3600" baseline="-25000" dirty="0">
-              <a:latin typeface="Times New Roman" panose="02020603050405020304" pitchFamily="18" charset="0"/>
-              <a:cs typeface="Times New Roman" panose="02020603050405020304" pitchFamily="18" charset="0"/>
-            </a:endParaRPr>
-          </a:p>
-          <a:p>
-            <a:pPr marL="571500" indent="-571500">
-              <a:buFont typeface="Arial" panose="020B0604020202020204" pitchFamily="34" charset="0"/>
-              <a:buChar char="•"/>
-            </a:pPr>
-            <a:endParaRPr lang="en-US" sz="3600" baseline="-25000" dirty="0">
-              <a:latin typeface="Times New Roman" panose="02020603050405020304" pitchFamily="18" charset="0"/>
-              <a:cs typeface="Times New Roman" panose="02020603050405020304" pitchFamily="18" charset="0"/>
-            </a:endParaRPr>
-          </a:p>
-          <a:p>
-            <a:pPr marL="571500" indent="-571500">
-              <a:buFont typeface="Arial" panose="020B0604020202020204" pitchFamily="34" charset="0"/>
-              <a:buChar char="•"/>
-            </a:pPr>
-            <a:endParaRPr lang="en-US" sz="3600" baseline="-25000" dirty="0">
-              <a:latin typeface="Times New Roman" panose="02020603050405020304" pitchFamily="18" charset="0"/>
-              <a:cs typeface="Times New Roman" panose="02020603050405020304" pitchFamily="18" charset="0"/>
-            </a:endParaRPr>
-          </a:p>
-          <a:p>
-            <a:endParaRPr lang="en-US" sz="3600" baseline="-25000" dirty="0">
-              <a:latin typeface="Times New Roman" panose="02020603050405020304" pitchFamily="18" charset="0"/>
-              <a:cs typeface="Times New Roman" panose="02020603050405020304" pitchFamily="18" charset="0"/>
-            </a:endParaRPr>
-          </a:p>
-          <a:p>
-            <a:endParaRPr lang="en-US" sz="3600" baseline="-25000" dirty="0">
-              <a:latin typeface="Times New Roman" panose="02020603050405020304" pitchFamily="18" charset="0"/>
-              <a:cs typeface="Times New Roman" panose="02020603050405020304" pitchFamily="18" charset="0"/>
-            </a:endParaRPr>
-          </a:p>
-          <a:p>
-            <a:pPr algn="ctr"/>
-            <a:endParaRPr lang="en-US" sz="3600" baseline="-25000" dirty="0">
-              <a:latin typeface="Times New Roman" panose="02020603050405020304" pitchFamily="18" charset="0"/>
-              <a:cs typeface="Times New Roman" panose="02020603050405020304" pitchFamily="18" charset="0"/>
-            </a:endParaRPr>
-          </a:p>
-          <a:p>
-            <a:pPr marL="571500" indent="-571500">
-              <a:buFont typeface="Arial" panose="020B0604020202020204" pitchFamily="34" charset="0"/>
-              <a:buChar char="•"/>
-            </a:pPr>
-            <a:endParaRPr lang="en-US" sz="3600" baseline="-25000" dirty="0">
-              <a:latin typeface="Times New Roman" panose="02020603050405020304" pitchFamily="18" charset="0"/>
-              <a:cs typeface="Times New Roman" panose="02020603050405020304" pitchFamily="18" charset="0"/>
-            </a:endParaRPr>
-          </a:p>
-          <a:p>
-            <a:pPr marL="571500" indent="-571500">
-              <a:buFont typeface="Arial" panose="020B0604020202020204" pitchFamily="34" charset="0"/>
-              <a:buChar char="•"/>
-            </a:pPr>
-            <a:endParaRPr lang="en-US" sz="3600" baseline="-25000" dirty="0">
-              <a:latin typeface="Times New Roman" panose="02020603050405020304" pitchFamily="18" charset="0"/>
-              <a:cs typeface="Times New Roman" panose="02020603050405020304" pitchFamily="18" charset="0"/>
-            </a:endParaRPr>
-          </a:p>
-          <a:p>
-            <a:pPr marL="571500" indent="-571500">
-              <a:buFont typeface="Arial" panose="020B0604020202020204" pitchFamily="34" charset="0"/>
-              <a:buChar char="•"/>
-            </a:pPr>
-            <a:endParaRPr lang="en-US" sz="3600" baseline="-25000" dirty="0">
-              <a:latin typeface="Times New Roman" panose="02020603050405020304" pitchFamily="18" charset="0"/>
-              <a:cs typeface="Times New Roman" panose="02020603050405020304" pitchFamily="18" charset="0"/>
-            </a:endParaRPr>
-          </a:p>
-        </p:txBody>
-      </p:sp>
-      <p:pic>
-        <p:nvPicPr>
-          <p:cNvPr id="9" name="Picture 8">
-            <a:extLst>
-              <a:ext uri="{FF2B5EF4-FFF2-40B4-BE49-F238E27FC236}">
-                <a16:creationId xmlns:a16="http://schemas.microsoft.com/office/drawing/2014/main" id="{D4F462A0-084F-49B5-8B6D-83F9395CA455}"/>
-              </a:ext>
-            </a:extLst>
-          </p:cNvPr>
-          <p:cNvPicPr>
-            <a:picLocks noChangeAspect="1"/>
-          </p:cNvPicPr>
-          <p:nvPr/>
-        </p:nvPicPr>
-        <p:blipFill>
-          <a:blip r:embed="rId7"/>
-          <a:stretch>
-            <a:fillRect/>
-          </a:stretch>
-        </p:blipFill>
-        <p:spPr>
-          <a:xfrm>
-            <a:off x="14456288" y="7033712"/>
-            <a:ext cx="8945580" cy="5163542"/>
-          </a:xfrm>
-          <a:prstGeom prst="rect">
-            <a:avLst/>
-          </a:prstGeom>
-        </p:spPr>
-      </p:pic>
-      <p:sp>
-        <p:nvSpPr>
-          <p:cNvPr id="13" name="TextBox 12">
-            <a:extLst>
-              <a:ext uri="{FF2B5EF4-FFF2-40B4-BE49-F238E27FC236}">
-                <a16:creationId xmlns:a16="http://schemas.microsoft.com/office/drawing/2014/main" id="{B44E22C5-437A-43DE-915F-0E90AC667EB6}"/>
-              </a:ext>
-            </a:extLst>
-          </p:cNvPr>
-          <p:cNvSpPr txBox="1"/>
-          <p:nvPr/>
-        </p:nvSpPr>
-        <p:spPr>
-          <a:xfrm>
-            <a:off x="13089825" y="12314217"/>
-            <a:ext cx="11972773" cy="523220"/>
-          </a:xfrm>
-          <a:prstGeom prst="rect">
-            <a:avLst/>
-          </a:prstGeom>
-          <a:noFill/>
-        </p:spPr>
-        <p:txBody>
-          <a:bodyPr wrap="square" rtlCol="0">
-            <a:spAutoFit/>
-          </a:bodyPr>
-          <a:lstStyle/>
-          <a:p>
-            <a:r>
-              <a:rPr lang="en-US" sz="1400" dirty="0">
-                <a:latin typeface="Times New Roman" panose="02020603050405020304" pitchFamily="18" charset="0"/>
-                <a:cs typeface="Times New Roman" panose="02020603050405020304" pitchFamily="18" charset="0"/>
-              </a:rPr>
-              <a:t>Figure 4: Table of known energy levels for the first ten ionization states of all the lanthanides and actinides. Note that 2 known energy levels only include 0 and a theoretical max, so no experimental data exists for these values.</a:t>
-            </a:r>
-          </a:p>
-        </p:txBody>
-      </p:sp>
-      <p:pic>
-        <p:nvPicPr>
-          <p:cNvPr id="16" name="Picture 15">
-            <a:extLst>
-              <a:ext uri="{FF2B5EF4-FFF2-40B4-BE49-F238E27FC236}">
-                <a16:creationId xmlns:a16="http://schemas.microsoft.com/office/drawing/2014/main" id="{B013BD3A-482D-42E1-94E8-C5413446BB23}"/>
-              </a:ext>
-            </a:extLst>
-          </p:cNvPr>
-          <p:cNvPicPr>
-            <a:picLocks noChangeAspect="1"/>
-          </p:cNvPicPr>
-          <p:nvPr/>
-        </p:nvPicPr>
-        <p:blipFill>
-          <a:blip r:embed="rId8"/>
-          <a:stretch>
-            <a:fillRect/>
-          </a:stretch>
-        </p:blipFill>
-        <p:spPr>
-          <a:xfrm>
-            <a:off x="15875858" y="17688815"/>
-            <a:ext cx="6771075" cy="839540"/>
-          </a:xfrm>
-          <a:prstGeom prst="rect">
-            <a:avLst/>
-          </a:prstGeom>
-        </p:spPr>
-      </p:pic>
+        </p:txBody>
+      </p:sp>
       <p:pic>
         <p:nvPicPr>
           <p:cNvPr id="17" name="Picture 2">
@@ -5477,7 +5319,7 @@
           <p:nvPr/>
         </p:nvPicPr>
         <p:blipFill>
-          <a:blip r:embed="rId9">
+          <a:blip r:embed="rId7">
             <a:extLst>
               <a:ext uri="{28A0092B-C50C-407E-A947-70E740481C1C}">
                 <a14:useLocalDpi xmlns:a14="http://schemas.microsoft.com/office/drawing/2010/main" val="0"/>
@@ -5491,7 +5333,7 @@
         </p:blipFill>
         <p:spPr bwMode="auto">
           <a:xfrm>
-            <a:off x="15594202" y="18945076"/>
+            <a:off x="13036553" y="8982794"/>
             <a:ext cx="6964017" cy="4743606"/>
           </a:xfrm>
           <a:prstGeom prst="rect">
@@ -5509,6 +5351,671 @@
           </a:extLst>
         </p:spPr>
       </p:pic>
+      <p:sp>
+        <p:nvSpPr>
+          <p:cNvPr id="2" name="TextBox 1">
+            <a:extLst>
+              <a:ext uri="{FF2B5EF4-FFF2-40B4-BE49-F238E27FC236}">
+                <a16:creationId xmlns:a16="http://schemas.microsoft.com/office/drawing/2014/main" id="{2D4D356B-4CC1-4655-8EB6-E88861D0089B}"/>
+              </a:ext>
+            </a:extLst>
+          </p:cNvPr>
+          <p:cNvSpPr txBox="1"/>
+          <p:nvPr/>
+        </p:nvSpPr>
+        <p:spPr>
+          <a:xfrm>
+            <a:off x="20000570" y="9369438"/>
+            <a:ext cx="4729852" cy="3970318"/>
+          </a:xfrm>
+          <a:prstGeom prst="rect">
+            <a:avLst/>
+          </a:prstGeom>
+          <a:noFill/>
+        </p:spPr>
+        <p:txBody>
+          <a:bodyPr wrap="square" rtlCol="0">
+            <a:spAutoFit/>
+          </a:bodyPr>
+          <a:lstStyle/>
+          <a:p>
+            <a:r>
+              <a:rPr lang="en-US" dirty="0">
+                <a:latin typeface="Times New Roman" panose="02020603050405020304" pitchFamily="18" charset="0"/>
+                <a:cs typeface="Times New Roman" panose="02020603050405020304" pitchFamily="18" charset="0"/>
+              </a:rPr>
+              <a:t>Equation 1: The Saha equation (top) is the backbone of all the ionization state abundance calculations. Y</a:t>
+            </a:r>
+            <a:r>
+              <a:rPr lang="en-US" baseline="-25000" dirty="0">
+                <a:latin typeface="Times New Roman" panose="02020603050405020304" pitchFamily="18" charset="0"/>
+                <a:cs typeface="Times New Roman" panose="02020603050405020304" pitchFamily="18" charset="0"/>
+              </a:rPr>
+              <a:t>Z,I+1</a:t>
+            </a:r>
+            <a:r>
+              <a:rPr lang="en-US" dirty="0">
+                <a:latin typeface="Times New Roman" panose="02020603050405020304" pitchFamily="18" charset="0"/>
+                <a:cs typeface="Times New Roman" panose="02020603050405020304" pitchFamily="18" charset="0"/>
+              </a:rPr>
+              <a:t>/Y</a:t>
+            </a:r>
+            <a:r>
+              <a:rPr lang="en-US" baseline="-25000" dirty="0">
+                <a:latin typeface="Times New Roman" panose="02020603050405020304" pitchFamily="18" charset="0"/>
+                <a:cs typeface="Times New Roman" panose="02020603050405020304" pitchFamily="18" charset="0"/>
+              </a:rPr>
+              <a:t>Z</a:t>
+            </a:r>
+            <a:r>
+              <a:rPr lang="en-US" dirty="0">
+                <a:latin typeface="Times New Roman" panose="02020603050405020304" pitchFamily="18" charset="0"/>
+                <a:cs typeface="Times New Roman" panose="02020603050405020304" pitchFamily="18" charset="0"/>
+              </a:rPr>
+              <a:t> refers to the ratio of the Z+1 ionization state abundance to the </a:t>
+            </a:r>
+            <a:r>
+              <a:rPr lang="en-US" dirty="0" err="1">
+                <a:latin typeface="Times New Roman" panose="02020603050405020304" pitchFamily="18" charset="0"/>
+                <a:cs typeface="Times New Roman" panose="02020603050405020304" pitchFamily="18" charset="0"/>
+              </a:rPr>
+              <a:t>Zth</a:t>
+            </a:r>
+            <a:r>
+              <a:rPr lang="en-US" dirty="0">
+                <a:latin typeface="Times New Roman" panose="02020603050405020304" pitchFamily="18" charset="0"/>
+                <a:cs typeface="Times New Roman" panose="02020603050405020304" pitchFamily="18" charset="0"/>
+              </a:rPr>
+              <a:t> ionization state abundance. </a:t>
+            </a:r>
+            <a:r>
+              <a:rPr lang="en-US" dirty="0" err="1">
+                <a:latin typeface="Times New Roman" panose="02020603050405020304" pitchFamily="18" charset="0"/>
+                <a:cs typeface="Times New Roman" panose="02020603050405020304" pitchFamily="18" charset="0"/>
+              </a:rPr>
+              <a:t>Y</a:t>
+            </a:r>
+            <a:r>
+              <a:rPr lang="en-US" baseline="-25000" dirty="0" err="1">
+                <a:latin typeface="Times New Roman" panose="02020603050405020304" pitchFamily="18" charset="0"/>
+                <a:cs typeface="Times New Roman" panose="02020603050405020304" pitchFamily="18" charset="0"/>
+              </a:rPr>
+              <a:t>e,tot</a:t>
+            </a:r>
+            <a:r>
+              <a:rPr lang="en-US" dirty="0">
+                <a:latin typeface="Times New Roman" panose="02020603050405020304" pitchFamily="18" charset="0"/>
+                <a:cs typeface="Times New Roman" panose="02020603050405020304" pitchFamily="18" charset="0"/>
+              </a:rPr>
+              <a:t> is the total electron fraction of the merger material, f is the proportion of the Y</a:t>
+            </a:r>
+            <a:r>
+              <a:rPr lang="en-US" baseline="-25000" dirty="0">
+                <a:latin typeface="Times New Roman" panose="02020603050405020304" pitchFamily="18" charset="0"/>
+                <a:cs typeface="Times New Roman" panose="02020603050405020304" pitchFamily="18" charset="0"/>
+              </a:rPr>
+              <a:t>e</a:t>
+            </a:r>
+            <a:r>
+              <a:rPr lang="en-US" dirty="0">
+                <a:latin typeface="Times New Roman" panose="02020603050405020304" pitchFamily="18" charset="0"/>
+                <a:cs typeface="Times New Roman" panose="02020603050405020304" pitchFamily="18" charset="0"/>
+              </a:rPr>
+              <a:t> that is free, and </a:t>
+            </a:r>
+            <a:r>
+              <a:rPr lang="el-GR" dirty="0">
+                <a:latin typeface="Times New Roman" panose="02020603050405020304" pitchFamily="18" charset="0"/>
+                <a:cs typeface="Times New Roman" panose="02020603050405020304" pitchFamily="18" charset="0"/>
+              </a:rPr>
+              <a:t>χ</a:t>
+            </a:r>
+            <a:r>
+              <a:rPr lang="en-US" baseline="-25000" dirty="0" err="1">
+                <a:latin typeface="Times New Roman" panose="02020603050405020304" pitchFamily="18" charset="0"/>
+                <a:cs typeface="Times New Roman" panose="02020603050405020304" pitchFamily="18" charset="0"/>
+              </a:rPr>
+              <a:t>i</a:t>
+            </a:r>
+            <a:r>
+              <a:rPr lang="en-US" baseline="-25000" dirty="0">
+                <a:latin typeface="Times New Roman" panose="02020603050405020304" pitchFamily="18" charset="0"/>
+                <a:cs typeface="Times New Roman" panose="02020603050405020304" pitchFamily="18" charset="0"/>
+              </a:rPr>
+              <a:t> </a:t>
+            </a:r>
+            <a:r>
+              <a:rPr lang="en-US" dirty="0">
+                <a:latin typeface="Times New Roman" panose="02020603050405020304" pitchFamily="18" charset="0"/>
+                <a:cs typeface="Times New Roman" panose="02020603050405020304" pitchFamily="18" charset="0"/>
+              </a:rPr>
+              <a:t>is the ionization potential of the </a:t>
+            </a:r>
+            <a:r>
+              <a:rPr lang="en-US" dirty="0" err="1">
+                <a:latin typeface="Times New Roman" panose="02020603050405020304" pitchFamily="18" charset="0"/>
+                <a:cs typeface="Times New Roman" panose="02020603050405020304" pitchFamily="18" charset="0"/>
+              </a:rPr>
+              <a:t>ith</a:t>
+            </a:r>
+            <a:r>
+              <a:rPr lang="en-US" dirty="0">
+                <a:latin typeface="Times New Roman" panose="02020603050405020304" pitchFamily="18" charset="0"/>
+                <a:cs typeface="Times New Roman" panose="02020603050405020304" pitchFamily="18" charset="0"/>
+              </a:rPr>
+              <a:t> ionization state</a:t>
+            </a:r>
+          </a:p>
+          <a:p>
+            <a:endParaRPr lang="en-US" dirty="0">
+              <a:latin typeface="Times New Roman" panose="02020603050405020304" pitchFamily="18" charset="0"/>
+              <a:cs typeface="Times New Roman" panose="02020603050405020304" pitchFamily="18" charset="0"/>
+            </a:endParaRPr>
+          </a:p>
+          <a:p>
+            <a:r>
+              <a:rPr lang="en-US" dirty="0">
+                <a:latin typeface="Times New Roman" panose="02020603050405020304" pitchFamily="18" charset="0"/>
+                <a:cs typeface="Times New Roman" panose="02020603050405020304" pitchFamily="18" charset="0"/>
+              </a:rPr>
+              <a:t>Figure 4: Plot of samarium abundance over time (left) based on output from Skynet. Note that the abundances at early times is noise considering there are values lower than 10</a:t>
+            </a:r>
+            <a:r>
+              <a:rPr lang="en-US" baseline="30000" dirty="0">
+                <a:latin typeface="Times New Roman" panose="02020603050405020304" pitchFamily="18" charset="0"/>
+                <a:cs typeface="Times New Roman" panose="02020603050405020304" pitchFamily="18" charset="0"/>
+              </a:rPr>
+              <a:t>-20</a:t>
+            </a:r>
+            <a:r>
+              <a:rPr lang="en-US" dirty="0">
+                <a:latin typeface="Times New Roman" panose="02020603050405020304" pitchFamily="18" charset="0"/>
+                <a:cs typeface="Times New Roman" panose="02020603050405020304" pitchFamily="18" charset="0"/>
+              </a:rPr>
+              <a:t>. Values become important around 10</a:t>
+            </a:r>
+            <a:r>
+              <a:rPr lang="en-US" baseline="30000" dirty="0">
+                <a:latin typeface="Times New Roman" panose="02020603050405020304" pitchFamily="18" charset="0"/>
+                <a:cs typeface="Times New Roman" panose="02020603050405020304" pitchFamily="18" charset="0"/>
+              </a:rPr>
+              <a:t>-1 </a:t>
+            </a:r>
+            <a:r>
+              <a:rPr lang="en-US" dirty="0">
+                <a:latin typeface="Times New Roman" panose="02020603050405020304" pitchFamily="18" charset="0"/>
+                <a:cs typeface="Times New Roman" panose="02020603050405020304" pitchFamily="18" charset="0"/>
+              </a:rPr>
+              <a:t>sec.</a:t>
+            </a:r>
+            <a:r>
+              <a:rPr lang="en-US" baseline="30000" dirty="0">
+                <a:latin typeface="Times New Roman" panose="02020603050405020304" pitchFamily="18" charset="0"/>
+                <a:cs typeface="Times New Roman" panose="02020603050405020304" pitchFamily="18" charset="0"/>
+              </a:rPr>
+              <a:t> </a:t>
+            </a:r>
+            <a:endParaRPr lang="en-US" dirty="0">
+              <a:latin typeface="Times New Roman" panose="02020603050405020304" pitchFamily="18" charset="0"/>
+              <a:cs typeface="Times New Roman" panose="02020603050405020304" pitchFamily="18" charset="0"/>
+            </a:endParaRPr>
+          </a:p>
+        </p:txBody>
+      </p:sp>
+      <p:pic>
+        <p:nvPicPr>
+          <p:cNvPr id="3" name="Picture 2">
+            <a:extLst>
+              <a:ext uri="{FF2B5EF4-FFF2-40B4-BE49-F238E27FC236}">
+                <a16:creationId xmlns:a16="http://schemas.microsoft.com/office/drawing/2014/main" id="{D8C9A236-8C9B-49A0-82F9-32EC5A2EB277}"/>
+              </a:ext>
+            </a:extLst>
+          </p:cNvPr>
+          <p:cNvPicPr>
+            <a:picLocks noChangeAspect="1"/>
+          </p:cNvPicPr>
+          <p:nvPr/>
+        </p:nvPicPr>
+        <p:blipFill>
+          <a:blip r:embed="rId8"/>
+          <a:stretch>
+            <a:fillRect/>
+          </a:stretch>
+        </p:blipFill>
+        <p:spPr>
+          <a:xfrm>
+            <a:off x="16149156" y="8013754"/>
+            <a:ext cx="8080306" cy="923857"/>
+          </a:xfrm>
+          <a:prstGeom prst="rect">
+            <a:avLst/>
+          </a:prstGeom>
+        </p:spPr>
+      </p:pic>
+      <p:pic>
+        <p:nvPicPr>
+          <p:cNvPr id="6" name="Picture 5">
+            <a:extLst>
+              <a:ext uri="{FF2B5EF4-FFF2-40B4-BE49-F238E27FC236}">
+                <a16:creationId xmlns:a16="http://schemas.microsoft.com/office/drawing/2014/main" id="{0FECE4D8-4F56-4F8F-8EA8-3838150F9CC4}"/>
+              </a:ext>
+            </a:extLst>
+          </p:cNvPr>
+          <p:cNvPicPr>
+            <a:picLocks noChangeAspect="1"/>
+          </p:cNvPicPr>
+          <p:nvPr/>
+        </p:nvPicPr>
+        <p:blipFill>
+          <a:blip r:embed="rId9"/>
+          <a:stretch>
+            <a:fillRect/>
+          </a:stretch>
+        </p:blipFill>
+        <p:spPr>
+          <a:xfrm>
+            <a:off x="12746401" y="20002265"/>
+            <a:ext cx="5846399" cy="4202629"/>
+          </a:xfrm>
+          <a:prstGeom prst="rect">
+            <a:avLst/>
+          </a:prstGeom>
+        </p:spPr>
+      </p:pic>
+      <p:sp>
+        <p:nvSpPr>
+          <p:cNvPr id="16" name="TextBox 15">
+            <a:extLst>
+              <a:ext uri="{FF2B5EF4-FFF2-40B4-BE49-F238E27FC236}">
+                <a16:creationId xmlns:a16="http://schemas.microsoft.com/office/drawing/2014/main" id="{AC09FDE7-D737-4E67-90DD-9B0CC5216A0F}"/>
+              </a:ext>
+            </a:extLst>
+          </p:cNvPr>
+          <p:cNvSpPr txBox="1"/>
+          <p:nvPr/>
+        </p:nvSpPr>
+        <p:spPr>
+          <a:xfrm>
+            <a:off x="26025993" y="2880216"/>
+            <a:ext cx="10502894" cy="7848302"/>
+          </a:xfrm>
+          <a:prstGeom prst="rect">
+            <a:avLst/>
+          </a:prstGeom>
+          <a:noFill/>
+        </p:spPr>
+        <p:txBody>
+          <a:bodyPr wrap="square" rtlCol="0">
+            <a:spAutoFit/>
+          </a:bodyPr>
+          <a:lstStyle/>
+          <a:p>
+            <a:pPr algn="ctr"/>
+            <a:r>
+              <a:rPr lang="en-US" sz="5400" b="1" baseline="-25000" dirty="0">
+                <a:solidFill>
+                  <a:srgbClr val="FF0000"/>
+                </a:solidFill>
+                <a:latin typeface="Times New Roman" panose="02020603050405020304" pitchFamily="18" charset="0"/>
+                <a:cs typeface="Times New Roman" panose="02020603050405020304" pitchFamily="18" charset="0"/>
+              </a:rPr>
+              <a:t>Conclusion</a:t>
+            </a:r>
+          </a:p>
+          <a:p>
+            <a:r>
+              <a:rPr lang="en-US" sz="3600" baseline="-25000" dirty="0">
+                <a:latin typeface="Times New Roman" panose="02020603050405020304" pitchFamily="18" charset="0"/>
+                <a:cs typeface="Times New Roman" panose="02020603050405020304" pitchFamily="18" charset="0"/>
+              </a:rPr>
+              <a:t>Based on our analysis of the abundance graphs </a:t>
+            </a:r>
+          </a:p>
+          <a:p>
+            <a:endParaRPr lang="en-US" sz="3600" baseline="-25000" dirty="0">
+              <a:latin typeface="Times New Roman" panose="02020603050405020304" pitchFamily="18" charset="0"/>
+              <a:cs typeface="Times New Roman" panose="02020603050405020304" pitchFamily="18" charset="0"/>
+            </a:endParaRPr>
+          </a:p>
+          <a:p>
+            <a:endParaRPr lang="en-US" sz="3600" baseline="-25000" dirty="0">
+              <a:latin typeface="Times New Roman" panose="02020603050405020304" pitchFamily="18" charset="0"/>
+              <a:cs typeface="Times New Roman" panose="02020603050405020304" pitchFamily="18" charset="0"/>
+            </a:endParaRPr>
+          </a:p>
+          <a:p>
+            <a:pPr marL="571500" indent="-571500">
+              <a:buFont typeface="Arial" panose="020B0604020202020204" pitchFamily="34" charset="0"/>
+              <a:buChar char="•"/>
+            </a:pPr>
+            <a:endParaRPr lang="en-US" sz="3600" baseline="-25000" dirty="0">
+              <a:latin typeface="Times New Roman" panose="02020603050405020304" pitchFamily="18" charset="0"/>
+              <a:cs typeface="Times New Roman" panose="02020603050405020304" pitchFamily="18" charset="0"/>
+            </a:endParaRPr>
+          </a:p>
+          <a:p>
+            <a:pPr marL="571500" indent="-571500">
+              <a:buFont typeface="Arial" panose="020B0604020202020204" pitchFamily="34" charset="0"/>
+              <a:buChar char="•"/>
+            </a:pPr>
+            <a:endParaRPr lang="en-US" sz="3600" baseline="-25000" dirty="0">
+              <a:latin typeface="Times New Roman" panose="02020603050405020304" pitchFamily="18" charset="0"/>
+              <a:cs typeface="Times New Roman" panose="02020603050405020304" pitchFamily="18" charset="0"/>
+            </a:endParaRPr>
+          </a:p>
+          <a:p>
+            <a:pPr marL="571500" indent="-571500">
+              <a:buFont typeface="Arial" panose="020B0604020202020204" pitchFamily="34" charset="0"/>
+              <a:buChar char="•"/>
+            </a:pPr>
+            <a:endParaRPr lang="en-US" sz="3600" baseline="-25000" dirty="0">
+              <a:latin typeface="Times New Roman" panose="02020603050405020304" pitchFamily="18" charset="0"/>
+              <a:cs typeface="Times New Roman" panose="02020603050405020304" pitchFamily="18" charset="0"/>
+            </a:endParaRPr>
+          </a:p>
+          <a:p>
+            <a:pPr marL="571500" indent="-571500">
+              <a:buFont typeface="Arial" panose="020B0604020202020204" pitchFamily="34" charset="0"/>
+              <a:buChar char="•"/>
+            </a:pPr>
+            <a:endParaRPr lang="en-US" sz="3600" baseline="-25000" dirty="0">
+              <a:latin typeface="Times New Roman" panose="02020603050405020304" pitchFamily="18" charset="0"/>
+              <a:cs typeface="Times New Roman" panose="02020603050405020304" pitchFamily="18" charset="0"/>
+            </a:endParaRPr>
+          </a:p>
+          <a:p>
+            <a:pPr marL="571500" indent="-571500">
+              <a:buFont typeface="Arial" panose="020B0604020202020204" pitchFamily="34" charset="0"/>
+              <a:buChar char="•"/>
+            </a:pPr>
+            <a:endParaRPr lang="en-US" sz="3600" baseline="-25000" dirty="0">
+              <a:latin typeface="Times New Roman" panose="02020603050405020304" pitchFamily="18" charset="0"/>
+              <a:cs typeface="Times New Roman" panose="02020603050405020304" pitchFamily="18" charset="0"/>
+            </a:endParaRPr>
+          </a:p>
+          <a:p>
+            <a:pPr marL="571500" indent="-571500">
+              <a:buFont typeface="Arial" panose="020B0604020202020204" pitchFamily="34" charset="0"/>
+              <a:buChar char="•"/>
+            </a:pPr>
+            <a:endParaRPr lang="en-US" sz="3600" baseline="-25000" dirty="0">
+              <a:latin typeface="Times New Roman" panose="02020603050405020304" pitchFamily="18" charset="0"/>
+              <a:cs typeface="Times New Roman" panose="02020603050405020304" pitchFamily="18" charset="0"/>
+            </a:endParaRPr>
+          </a:p>
+          <a:p>
+            <a:pPr marL="571500" indent="-571500">
+              <a:buFont typeface="Arial" panose="020B0604020202020204" pitchFamily="34" charset="0"/>
+              <a:buChar char="•"/>
+            </a:pPr>
+            <a:endParaRPr lang="en-US" sz="3600" baseline="-25000" dirty="0">
+              <a:latin typeface="Times New Roman" panose="02020603050405020304" pitchFamily="18" charset="0"/>
+              <a:cs typeface="Times New Roman" panose="02020603050405020304" pitchFamily="18" charset="0"/>
+            </a:endParaRPr>
+          </a:p>
+          <a:p>
+            <a:pPr marL="571500" indent="-571500">
+              <a:buFont typeface="Arial" panose="020B0604020202020204" pitchFamily="34" charset="0"/>
+              <a:buChar char="•"/>
+            </a:pPr>
+            <a:endParaRPr lang="en-US" sz="3600" baseline="-25000" dirty="0">
+              <a:latin typeface="Times New Roman" panose="02020603050405020304" pitchFamily="18" charset="0"/>
+              <a:cs typeface="Times New Roman" panose="02020603050405020304" pitchFamily="18" charset="0"/>
+            </a:endParaRPr>
+          </a:p>
+          <a:p>
+            <a:pPr marL="571500" indent="-571500">
+              <a:buFont typeface="Arial" panose="020B0604020202020204" pitchFamily="34" charset="0"/>
+              <a:buChar char="•"/>
+            </a:pPr>
+            <a:endParaRPr lang="en-US" sz="3600" baseline="-25000" dirty="0">
+              <a:latin typeface="Times New Roman" panose="02020603050405020304" pitchFamily="18" charset="0"/>
+              <a:cs typeface="Times New Roman" panose="02020603050405020304" pitchFamily="18" charset="0"/>
+            </a:endParaRPr>
+          </a:p>
+          <a:p>
+            <a:pPr marL="571500" indent="-571500">
+              <a:buFont typeface="Arial" panose="020B0604020202020204" pitchFamily="34" charset="0"/>
+              <a:buChar char="•"/>
+            </a:pPr>
+            <a:endParaRPr lang="en-US" sz="3600" baseline="-25000" dirty="0">
+              <a:latin typeface="Times New Roman" panose="02020603050405020304" pitchFamily="18" charset="0"/>
+              <a:cs typeface="Times New Roman" panose="02020603050405020304" pitchFamily="18" charset="0"/>
+            </a:endParaRPr>
+          </a:p>
+          <a:p>
+            <a:endParaRPr lang="en-US" sz="3600" baseline="-25000" dirty="0">
+              <a:latin typeface="Times New Roman" panose="02020603050405020304" pitchFamily="18" charset="0"/>
+              <a:cs typeface="Times New Roman" panose="02020603050405020304" pitchFamily="18" charset="0"/>
+            </a:endParaRPr>
+          </a:p>
+          <a:p>
+            <a:endParaRPr lang="en-US" sz="3600" baseline="-25000" dirty="0">
+              <a:latin typeface="Times New Roman" panose="02020603050405020304" pitchFamily="18" charset="0"/>
+              <a:cs typeface="Times New Roman" panose="02020603050405020304" pitchFamily="18" charset="0"/>
+            </a:endParaRPr>
+          </a:p>
+          <a:p>
+            <a:pPr algn="ctr"/>
+            <a:endParaRPr lang="en-US" sz="3600" baseline="-25000" dirty="0">
+              <a:latin typeface="Times New Roman" panose="02020603050405020304" pitchFamily="18" charset="0"/>
+              <a:cs typeface="Times New Roman" panose="02020603050405020304" pitchFamily="18" charset="0"/>
+            </a:endParaRPr>
+          </a:p>
+          <a:p>
+            <a:pPr marL="571500" indent="-571500">
+              <a:buFont typeface="Arial" panose="020B0604020202020204" pitchFamily="34" charset="0"/>
+              <a:buChar char="•"/>
+            </a:pPr>
+            <a:endParaRPr lang="en-US" sz="3600" baseline="-25000" dirty="0">
+              <a:latin typeface="Times New Roman" panose="02020603050405020304" pitchFamily="18" charset="0"/>
+              <a:cs typeface="Times New Roman" panose="02020603050405020304" pitchFamily="18" charset="0"/>
+            </a:endParaRPr>
+          </a:p>
+          <a:p>
+            <a:pPr marL="571500" indent="-571500">
+              <a:buFont typeface="Arial" panose="020B0604020202020204" pitchFamily="34" charset="0"/>
+              <a:buChar char="•"/>
+            </a:pPr>
+            <a:endParaRPr lang="en-US" sz="3600" baseline="-25000" dirty="0">
+              <a:latin typeface="Times New Roman" panose="02020603050405020304" pitchFamily="18" charset="0"/>
+              <a:cs typeface="Times New Roman" panose="02020603050405020304" pitchFamily="18" charset="0"/>
+            </a:endParaRPr>
+          </a:p>
+          <a:p>
+            <a:pPr marL="571500" indent="-571500">
+              <a:buFont typeface="Arial" panose="020B0604020202020204" pitchFamily="34" charset="0"/>
+              <a:buChar char="•"/>
+            </a:pPr>
+            <a:endParaRPr lang="en-US" sz="3600" baseline="-25000" dirty="0">
+              <a:latin typeface="Times New Roman" panose="02020603050405020304" pitchFamily="18" charset="0"/>
+              <a:cs typeface="Times New Roman" panose="02020603050405020304" pitchFamily="18" charset="0"/>
+            </a:endParaRPr>
+          </a:p>
+        </p:txBody>
+      </p:sp>
+      <p:cxnSp>
+        <p:nvCxnSpPr>
+          <p:cNvPr id="9" name="Straight Connector 8">
+            <a:extLst>
+              <a:ext uri="{FF2B5EF4-FFF2-40B4-BE49-F238E27FC236}">
+                <a16:creationId xmlns:a16="http://schemas.microsoft.com/office/drawing/2014/main" id="{CF8D2ACB-208F-44D9-83A4-080D535ACF57}"/>
+              </a:ext>
+            </a:extLst>
+          </p:cNvPr>
+          <p:cNvCxnSpPr>
+            <a:cxnSpLocks/>
+          </p:cNvCxnSpPr>
+          <p:nvPr/>
+        </p:nvCxnSpPr>
+        <p:spPr>
+          <a:xfrm>
+            <a:off x="12610934" y="2880216"/>
+            <a:ext cx="0" cy="23061651"/>
+          </a:xfrm>
+          <a:prstGeom prst="line">
+            <a:avLst/>
+          </a:prstGeom>
+        </p:spPr>
+        <p:style>
+          <a:lnRef idx="1">
+            <a:schemeClr val="accent1"/>
+          </a:lnRef>
+          <a:fillRef idx="0">
+            <a:schemeClr val="accent1"/>
+          </a:fillRef>
+          <a:effectRef idx="0">
+            <a:schemeClr val="accent1"/>
+          </a:effectRef>
+          <a:fontRef idx="minor">
+            <a:schemeClr val="tx1"/>
+          </a:fontRef>
+        </p:style>
+      </p:cxnSp>
+      <p:cxnSp>
+        <p:nvCxnSpPr>
+          <p:cNvPr id="23" name="Straight Connector 22">
+            <a:extLst>
+              <a:ext uri="{FF2B5EF4-FFF2-40B4-BE49-F238E27FC236}">
+                <a16:creationId xmlns:a16="http://schemas.microsoft.com/office/drawing/2014/main" id="{17EBDBB5-7180-4373-B027-ED89D036666D}"/>
+              </a:ext>
+            </a:extLst>
+          </p:cNvPr>
+          <p:cNvCxnSpPr>
+            <a:cxnSpLocks/>
+          </p:cNvCxnSpPr>
+          <p:nvPr/>
+        </p:nvCxnSpPr>
+        <p:spPr>
+          <a:xfrm>
+            <a:off x="25486241" y="2880216"/>
+            <a:ext cx="0" cy="23061651"/>
+          </a:xfrm>
+          <a:prstGeom prst="line">
+            <a:avLst/>
+          </a:prstGeom>
+        </p:spPr>
+        <p:style>
+          <a:lnRef idx="1">
+            <a:schemeClr val="accent1"/>
+          </a:lnRef>
+          <a:fillRef idx="0">
+            <a:schemeClr val="accent1"/>
+          </a:fillRef>
+          <a:effectRef idx="0">
+            <a:schemeClr val="accent1"/>
+          </a:effectRef>
+          <a:fontRef idx="minor">
+            <a:schemeClr val="tx1"/>
+          </a:fontRef>
+        </p:style>
+      </p:cxnSp>
+      <p:pic>
+        <p:nvPicPr>
+          <p:cNvPr id="22" name="Picture 21">
+            <a:extLst>
+              <a:ext uri="{FF2B5EF4-FFF2-40B4-BE49-F238E27FC236}">
+                <a16:creationId xmlns:a16="http://schemas.microsoft.com/office/drawing/2014/main" id="{808058FC-250E-4E8D-B2D4-D7AFE8C7D134}"/>
+              </a:ext>
+            </a:extLst>
+          </p:cNvPr>
+          <p:cNvPicPr>
+            <a:picLocks noChangeAspect="1"/>
+          </p:cNvPicPr>
+          <p:nvPr/>
+        </p:nvPicPr>
+        <p:blipFill>
+          <a:blip r:embed="rId10"/>
+          <a:stretch>
+            <a:fillRect/>
+          </a:stretch>
+        </p:blipFill>
+        <p:spPr>
+          <a:xfrm>
+            <a:off x="18879428" y="19762995"/>
+            <a:ext cx="6487230" cy="4322691"/>
+          </a:xfrm>
+          <a:prstGeom prst="rect">
+            <a:avLst/>
+          </a:prstGeom>
+        </p:spPr>
+      </p:pic>
+      <p:sp>
+        <p:nvSpPr>
+          <p:cNvPr id="26" name="TextBox 25">
+            <a:extLst>
+              <a:ext uri="{FF2B5EF4-FFF2-40B4-BE49-F238E27FC236}">
+                <a16:creationId xmlns:a16="http://schemas.microsoft.com/office/drawing/2014/main" id="{4870773C-BAEE-46B4-925D-E2508788D90C}"/>
+              </a:ext>
+            </a:extLst>
+          </p:cNvPr>
+          <p:cNvSpPr txBox="1"/>
+          <p:nvPr/>
+        </p:nvSpPr>
+        <p:spPr>
+          <a:xfrm>
+            <a:off x="13378226" y="24565717"/>
+            <a:ext cx="5042460" cy="1169551"/>
+          </a:xfrm>
+          <a:prstGeom prst="rect">
+            <a:avLst/>
+          </a:prstGeom>
+          <a:noFill/>
+        </p:spPr>
+        <p:txBody>
+          <a:bodyPr wrap="square" rtlCol="0">
+            <a:spAutoFit/>
+          </a:bodyPr>
+          <a:lstStyle/>
+          <a:p>
+            <a:r>
+              <a:rPr lang="en-US" sz="1400" dirty="0">
+                <a:latin typeface="Times New Roman" panose="02020603050405020304" pitchFamily="18" charset="0"/>
+                <a:cs typeface="Times New Roman" panose="02020603050405020304" pitchFamily="18" charset="0"/>
+              </a:rPr>
+              <a:t>Figure 5: Relative abundance graph of Samarium(Z=62) as a function of temperature in the merger material. It is relative to the total abundance of the element at any given time. The numerous colors represent the different ionization state abundances, where the blue at low temperatures/late times is for the fully neutral state.  </a:t>
+            </a:r>
+          </a:p>
+        </p:txBody>
+      </p:sp>
+      <p:sp>
+        <p:nvSpPr>
+          <p:cNvPr id="27" name="TextBox 26">
+            <a:extLst>
+              <a:ext uri="{FF2B5EF4-FFF2-40B4-BE49-F238E27FC236}">
+                <a16:creationId xmlns:a16="http://schemas.microsoft.com/office/drawing/2014/main" id="{54485A24-5562-4509-B8D4-274DD71D17E5}"/>
+              </a:ext>
+            </a:extLst>
+          </p:cNvPr>
+          <p:cNvSpPr txBox="1"/>
+          <p:nvPr/>
+        </p:nvSpPr>
+        <p:spPr>
+          <a:xfrm>
+            <a:off x="18879428" y="24551784"/>
+            <a:ext cx="5042460" cy="1169551"/>
+          </a:xfrm>
+          <a:prstGeom prst="rect">
+            <a:avLst/>
+          </a:prstGeom>
+          <a:noFill/>
+        </p:spPr>
+        <p:txBody>
+          <a:bodyPr wrap="square" rtlCol="0">
+            <a:spAutoFit/>
+          </a:bodyPr>
+          <a:lstStyle/>
+          <a:p>
+            <a:r>
+              <a:rPr lang="en-US" sz="1400" dirty="0">
+                <a:latin typeface="Times New Roman" panose="02020603050405020304" pitchFamily="18" charset="0"/>
+                <a:cs typeface="Times New Roman" panose="02020603050405020304" pitchFamily="18" charset="0"/>
+              </a:rPr>
+              <a:t>Figure 6: Relative abundance graph of all the lanthanides’ isoelectronic state abundances as a function of temperature  in the merger material. The various colors represent the unique isoelectronic states and the first 10 to 12 isoelectronic states are dominant at cool temperatures. </a:t>
+            </a:r>
+          </a:p>
+        </p:txBody>
+      </p:sp>
     </p:spTree>
   </p:cSld>
   <p:clrMapOvr>

--- a/APS April 2020 Poster New.pptx
+++ b/APS April 2020 Poster New.pptx
@@ -238,7 +238,7 @@
           <a:p>
             <a:fld id="{71A9164F-6062-4939-9E7C-E788D992CFF1}" type="datetimeFigureOut">
               <a:rPr lang="en-US" smtClean="0"/>
-              <a:t>4/15/2020</a:t>
+              <a:t>4/18/2020</a:t>
             </a:fld>
             <a:endParaRPr lang="en-US"/>
           </a:p>
@@ -725,7 +725,7 @@
           <a:p>
             <a:fld id="{9DC63369-2878-4B93-99A3-771C56153E97}" type="datetimeFigureOut">
               <a:rPr lang="en-US" smtClean="0"/>
-              <a:t>4/15/2020</a:t>
+              <a:t>4/18/2020</a:t>
             </a:fld>
             <a:endParaRPr lang="en-US"/>
           </a:p>
@@ -896,7 +896,7 @@
             <a:fld id="{5DFC66C6-2FA0-5744-8AC7-5AD7F361DA93}" type="datetimeFigureOut">
               <a:rPr lang="en-US" smtClean="0"/>
               <a:pPr/>
-              <a:t>4/15/2020</a:t>
+              <a:t>4/18/2020</a:t>
             </a:fld>
             <a:endParaRPr lang="en-US" dirty="0"/>
           </a:p>
@@ -1078,7 +1078,7 @@
             <a:fld id="{5DFC66C6-2FA0-5744-8AC7-5AD7F361DA93}" type="datetimeFigureOut">
               <a:rPr lang="en-US" smtClean="0"/>
               <a:pPr/>
-              <a:t>4/15/2020</a:t>
+              <a:t>4/18/2020</a:t>
             </a:fld>
             <a:endParaRPr lang="en-US" dirty="0"/>
           </a:p>
@@ -1361,7 +1361,7 @@
             <a:fld id="{5DFC66C6-2FA0-5744-8AC7-5AD7F361DA93}" type="datetimeFigureOut">
               <a:rPr lang="en-US" smtClean="0"/>
               <a:pPr/>
-              <a:t>4/15/2020</a:t>
+              <a:t>4/18/2020</a:t>
             </a:fld>
             <a:endParaRPr lang="en-US" dirty="0"/>
           </a:p>
@@ -1606,7 +1606,7 @@
           <a:p>
             <a:fld id="{9DC63369-2878-4B93-99A3-771C56153E97}" type="datetimeFigureOut">
               <a:rPr lang="en-US" smtClean="0"/>
-              <a:t>4/15/2020</a:t>
+              <a:t>4/18/2020</a:t>
             </a:fld>
             <a:endParaRPr lang="en-US"/>
           </a:p>
@@ -1987,7 +1987,7 @@
             <a:fld id="{5DFC66C6-2FA0-5744-8AC7-5AD7F361DA93}" type="datetimeFigureOut">
               <a:rPr lang="en-US" smtClean="0"/>
               <a:pPr/>
-              <a:t>4/15/2020</a:t>
+              <a:t>4/18/2020</a:t>
             </a:fld>
             <a:endParaRPr lang="en-US" dirty="0"/>
           </a:p>
@@ -2356,7 +2356,7 @@
             <a:fld id="{5DFC66C6-2FA0-5744-8AC7-5AD7F361DA93}" type="datetimeFigureOut">
               <a:rPr lang="en-US" smtClean="0"/>
               <a:pPr/>
-              <a:t>4/15/2020</a:t>
+              <a:t>4/18/2020</a:t>
             </a:fld>
             <a:endParaRPr lang="en-US" dirty="0"/>
           </a:p>
@@ -2476,7 +2476,7 @@
             <a:fld id="{5DFC66C6-2FA0-5744-8AC7-5AD7F361DA93}" type="datetimeFigureOut">
               <a:rPr lang="en-US" smtClean="0"/>
               <a:pPr/>
-              <a:t>4/15/2020</a:t>
+              <a:t>4/18/2020</a:t>
             </a:fld>
             <a:endParaRPr lang="en-US" dirty="0"/>
           </a:p>
@@ -2573,7 +2573,7 @@
             <a:fld id="{5DFC66C6-2FA0-5744-8AC7-5AD7F361DA93}" type="datetimeFigureOut">
               <a:rPr lang="en-US" smtClean="0"/>
               <a:pPr/>
-              <a:t>4/15/2020</a:t>
+              <a:t>4/18/2020</a:t>
             </a:fld>
             <a:endParaRPr lang="en-US" dirty="0"/>
           </a:p>
@@ -2852,7 +2852,7 @@
             <a:fld id="{5DFC66C6-2FA0-5744-8AC7-5AD7F361DA93}" type="datetimeFigureOut">
               <a:rPr lang="en-US" smtClean="0"/>
               <a:pPr/>
-              <a:t>4/15/2020</a:t>
+              <a:t>4/18/2020</a:t>
             </a:fld>
             <a:endParaRPr lang="en-US" dirty="0"/>
           </a:p>
@@ -3111,7 +3111,7 @@
             <a:fld id="{5DFC66C6-2FA0-5744-8AC7-5AD7F361DA93}" type="datetimeFigureOut">
               <a:rPr lang="en-US" smtClean="0"/>
               <a:pPr/>
-              <a:t>4/15/2020</a:t>
+              <a:t>4/18/2020</a:t>
             </a:fld>
             <a:endParaRPr lang="en-US" dirty="0"/>
           </a:p>
@@ -3326,7 +3326,7 @@
             <a:fld id="{5DFC66C6-2FA0-5744-8AC7-5AD7F361DA93}" type="datetimeFigureOut">
               <a:rPr lang="en-US" smtClean="0"/>
               <a:pPr/>
-              <a:t>4/15/2020</a:t>
+              <a:t>4/18/2020</a:t>
             </a:fld>
             <a:endParaRPr lang="en-US" dirty="0"/>
           </a:p>
@@ -4028,8 +4028,41 @@
                 </a:solidFill>
                 <a:latin typeface="Tahoma" pitchFamily="-111" charset="0"/>
               </a:rPr>
-              <a:t>Pranav Nalamwar, Jaideep Singh, Luke Roberts</a:t>
-            </a:r>
+              <a:t>Pranav Nalamwar(</a:t>
+            </a:r>
+            <a:r>
+              <a:rPr lang="en-US" sz="2759" b="1" dirty="0" err="1">
+                <a:solidFill>
+                  <a:schemeClr val="bg1"/>
+                </a:solidFill>
+                <a:latin typeface="Tahoma" pitchFamily="-111" charset="0"/>
+              </a:rPr>
+              <a:t>Nalamwar@</a:t>
+            </a:r>
+            <a:r>
+              <a:rPr lang="en-US" sz="2759" b="1" err="1">
+                <a:solidFill>
+                  <a:schemeClr val="bg1"/>
+                </a:solidFill>
+                <a:latin typeface="Tahoma" pitchFamily="-111" charset="0"/>
+              </a:rPr>
+              <a:t>msu</a:t>
+            </a:r>
+            <a:r>
+              <a:rPr lang="en-US" sz="2759" b="1">
+                <a:solidFill>
+                  <a:schemeClr val="bg1"/>
+                </a:solidFill>
+                <a:latin typeface="Tahoma" pitchFamily="-111" charset="0"/>
+              </a:rPr>
+              <a:t>.edu)</a:t>
+            </a:r>
+            <a:endParaRPr lang="en-US" sz="2759" b="1" dirty="0">
+              <a:solidFill>
+                <a:schemeClr val="bg1"/>
+              </a:solidFill>
+              <a:latin typeface="Tahoma" pitchFamily="-111" charset="0"/>
+            </a:endParaRPr>
           </a:p>
           <a:p>
             <a:pPr algn="ctr"/>
@@ -4126,7 +4159,7 @@
         <p:spPr>
           <a:xfrm>
             <a:off x="47113" y="2880216"/>
-            <a:ext cx="12449687" cy="31321395"/>
+            <a:ext cx="12449687" cy="30377547"/>
           </a:xfrm>
           <a:prstGeom prst="rect">
             <a:avLst/>
@@ -4161,126 +4194,108 @@
                 <a:latin typeface="Times New Roman" panose="02020603050405020304" pitchFamily="18" charset="0"/>
                 <a:cs typeface="Times New Roman" panose="02020603050405020304" pitchFamily="18" charset="0"/>
               </a:rPr>
-              <a:t>Big Bang Nucleosynthesis, or the synthesis of the elements specifically after the Big Bang, involved the creation of helium and lithium atoms through hydrogen atoms. Nuclear fusion in the cores of stars became the prime process used to form the elements up to iron. Supernovae, or the violent explosions marking the deaths of these stars, formed quite a few of the heavier elements through the rapid neutron capture process, or r-process. Atoms capture neutrons in a neutron-rich environment, creating a radioactive isotope that later decays into stable ones. However, a new class of astronomical event seems to be the source of the remaining r-process elements: neutron star mergers. These neutron star mergers(NSMs) are often the most neutron-rich events in the universe, so they are necessary for the formation of the rather heavy elements, most notably the lanthanides and actinides. Understanding all the details to this event will uncover why there is such a large abundance of elements like gold and uranium. There has been two confirmed NSMs, most notably GW170817 in 2017. This merger also had an associated kilonova, the optical transient. By studying its spectra, one can deduce which elements were created in the merger event as the radioactive and energetic atoms release light that all contribute to this observed spectra.</a:t>
-            </a:r>
-          </a:p>
-          <a:p>
-            <a:endParaRPr lang="en-US" sz="3600" baseline="-25000" dirty="0">
-              <a:latin typeface="Times New Roman" panose="02020603050405020304" pitchFamily="18" charset="0"/>
-              <a:cs typeface="Times New Roman" panose="02020603050405020304" pitchFamily="18" charset="0"/>
-            </a:endParaRPr>
-          </a:p>
-          <a:p>
-            <a:endParaRPr lang="en-US" sz="3600" baseline="-25000" dirty="0">
-              <a:latin typeface="Times New Roman" panose="02020603050405020304" pitchFamily="18" charset="0"/>
-              <a:cs typeface="Times New Roman" panose="02020603050405020304" pitchFamily="18" charset="0"/>
-            </a:endParaRPr>
-          </a:p>
-          <a:p>
-            <a:endParaRPr lang="en-US" sz="3600" baseline="-25000" dirty="0">
-              <a:latin typeface="Times New Roman" panose="02020603050405020304" pitchFamily="18" charset="0"/>
-              <a:cs typeface="Times New Roman" panose="02020603050405020304" pitchFamily="18" charset="0"/>
-            </a:endParaRPr>
-          </a:p>
-          <a:p>
-            <a:endParaRPr lang="en-US" sz="3600" baseline="-25000" dirty="0">
-              <a:latin typeface="Times New Roman" panose="02020603050405020304" pitchFamily="18" charset="0"/>
-              <a:cs typeface="Times New Roman" panose="02020603050405020304" pitchFamily="18" charset="0"/>
-            </a:endParaRPr>
-          </a:p>
-          <a:p>
-            <a:endParaRPr lang="en-US" sz="3600" baseline="-25000" dirty="0">
-              <a:latin typeface="Times New Roman" panose="02020603050405020304" pitchFamily="18" charset="0"/>
-              <a:cs typeface="Times New Roman" panose="02020603050405020304" pitchFamily="18" charset="0"/>
-            </a:endParaRPr>
-          </a:p>
-          <a:p>
-            <a:endParaRPr lang="en-US" sz="3600" baseline="-25000" dirty="0">
-              <a:latin typeface="Times New Roman" panose="02020603050405020304" pitchFamily="18" charset="0"/>
-              <a:cs typeface="Times New Roman" panose="02020603050405020304" pitchFamily="18" charset="0"/>
-            </a:endParaRPr>
-          </a:p>
-          <a:p>
-            <a:endParaRPr lang="en-US" sz="3600" baseline="-25000" dirty="0">
-              <a:latin typeface="Times New Roman" panose="02020603050405020304" pitchFamily="18" charset="0"/>
-              <a:cs typeface="Times New Roman" panose="02020603050405020304" pitchFamily="18" charset="0"/>
-            </a:endParaRPr>
-          </a:p>
-          <a:p>
-            <a:endParaRPr lang="en-US" sz="3600" baseline="-25000" dirty="0">
-              <a:latin typeface="Times New Roman" panose="02020603050405020304" pitchFamily="18" charset="0"/>
-              <a:cs typeface="Times New Roman" panose="02020603050405020304" pitchFamily="18" charset="0"/>
-            </a:endParaRPr>
-          </a:p>
-          <a:p>
-            <a:endParaRPr lang="en-US" sz="3600" baseline="-25000" dirty="0">
-              <a:latin typeface="Times New Roman" panose="02020603050405020304" pitchFamily="18" charset="0"/>
-              <a:cs typeface="Times New Roman" panose="02020603050405020304" pitchFamily="18" charset="0"/>
-            </a:endParaRPr>
-          </a:p>
-          <a:p>
-            <a:endParaRPr lang="en-US" sz="3600" baseline="-25000" dirty="0">
-              <a:latin typeface="Times New Roman" panose="02020603050405020304" pitchFamily="18" charset="0"/>
-              <a:cs typeface="Times New Roman" panose="02020603050405020304" pitchFamily="18" charset="0"/>
-            </a:endParaRPr>
-          </a:p>
-          <a:p>
-            <a:endParaRPr lang="en-US" sz="3600" baseline="-25000" dirty="0">
-              <a:latin typeface="Times New Roman" panose="02020603050405020304" pitchFamily="18" charset="0"/>
-              <a:cs typeface="Times New Roman" panose="02020603050405020304" pitchFamily="18" charset="0"/>
-            </a:endParaRPr>
-          </a:p>
-          <a:p>
-            <a:endParaRPr lang="en-US" sz="3600" baseline="-25000" dirty="0">
-              <a:latin typeface="Times New Roman" panose="02020603050405020304" pitchFamily="18" charset="0"/>
-              <a:cs typeface="Times New Roman" panose="02020603050405020304" pitchFamily="18" charset="0"/>
-            </a:endParaRPr>
-          </a:p>
-          <a:p>
+              <a:t>Supernovae, or the explosions marking the deaths of heavy stars, formed the heavier elements through the rapid neutron capture process, or r-process(see Fig.1 for formed elements). Atoms capture neutrons in a neutron-rich environment, creating a radioactive isotope that later decays into stable ones. However, a new class of astronomical event seems to be the source of the remaining r-process elements: neutron star mergers. These neutron star mergers(NSMs) are often the most neutron-rich events in the universe, so they are necessary for the formation of the rather heavy elements(see Fig.1), most notably the lanthanides and actinides. Understanding all the details to this event will uncover why there is a large abundance of elements like gold and uranium. There have been two confirmed NSMs, most notably GW170817 in 2017. This merger also had an associated kilonova, the optical transient AT2017gfo. The kilonova light curve, which shows its brightness over time, is a direct result of r-process elements, especially the lanthanides. How bright and in what bands the kilonova is in is determined by the composition and distribution of the lanthanides. By studying its optical spectra(from here on, spectra refers to optical spectra), one can deduce which elements were created in the merger event as these atoms emit light contributing to this observed spectra.</a:t>
+            </a:r>
+          </a:p>
+          <a:p>
+            <a:endParaRPr lang="en-US" sz="3600" baseline="-25000" dirty="0">
+              <a:latin typeface="Times New Roman" panose="02020603050405020304" pitchFamily="18" charset="0"/>
+              <a:cs typeface="Times New Roman" panose="02020603050405020304" pitchFamily="18" charset="0"/>
+            </a:endParaRPr>
+          </a:p>
+          <a:p>
+            <a:endParaRPr lang="en-US" sz="3600" baseline="-25000" dirty="0">
+              <a:latin typeface="Times New Roman" panose="02020603050405020304" pitchFamily="18" charset="0"/>
+              <a:cs typeface="Times New Roman" panose="02020603050405020304" pitchFamily="18" charset="0"/>
+            </a:endParaRPr>
+          </a:p>
+          <a:p>
+            <a:endParaRPr lang="en-US" sz="3600" baseline="-25000" dirty="0">
+              <a:latin typeface="Times New Roman" panose="02020603050405020304" pitchFamily="18" charset="0"/>
+              <a:cs typeface="Times New Roman" panose="02020603050405020304" pitchFamily="18" charset="0"/>
+            </a:endParaRPr>
+          </a:p>
+          <a:p>
+            <a:endParaRPr lang="en-US" sz="3600" baseline="-25000" dirty="0">
+              <a:latin typeface="Times New Roman" panose="02020603050405020304" pitchFamily="18" charset="0"/>
+              <a:cs typeface="Times New Roman" panose="02020603050405020304" pitchFamily="18" charset="0"/>
+            </a:endParaRPr>
+          </a:p>
+          <a:p>
+            <a:endParaRPr lang="en-US" sz="3600" baseline="-25000" dirty="0">
+              <a:latin typeface="Times New Roman" panose="02020603050405020304" pitchFamily="18" charset="0"/>
+              <a:cs typeface="Times New Roman" panose="02020603050405020304" pitchFamily="18" charset="0"/>
+            </a:endParaRPr>
+          </a:p>
+          <a:p>
+            <a:endParaRPr lang="en-US" sz="3600" baseline="-25000" dirty="0">
+              <a:latin typeface="Times New Roman" panose="02020603050405020304" pitchFamily="18" charset="0"/>
+              <a:cs typeface="Times New Roman" panose="02020603050405020304" pitchFamily="18" charset="0"/>
+            </a:endParaRPr>
+          </a:p>
+          <a:p>
+            <a:endParaRPr lang="en-US" sz="3600" baseline="-25000" dirty="0">
+              <a:latin typeface="Times New Roman" panose="02020603050405020304" pitchFamily="18" charset="0"/>
+              <a:cs typeface="Times New Roman" panose="02020603050405020304" pitchFamily="18" charset="0"/>
+            </a:endParaRPr>
+          </a:p>
+          <a:p>
+            <a:endParaRPr lang="en-US" sz="3600" baseline="-25000" dirty="0">
+              <a:latin typeface="Times New Roman" panose="02020603050405020304" pitchFamily="18" charset="0"/>
+              <a:cs typeface="Times New Roman" panose="02020603050405020304" pitchFamily="18" charset="0"/>
+            </a:endParaRPr>
+          </a:p>
+          <a:p>
+            <a:endParaRPr lang="en-US" sz="3600" baseline="-25000" dirty="0">
+              <a:latin typeface="Times New Roman" panose="02020603050405020304" pitchFamily="18" charset="0"/>
+              <a:cs typeface="Times New Roman" panose="02020603050405020304" pitchFamily="18" charset="0"/>
+            </a:endParaRPr>
+          </a:p>
+          <a:p>
+            <a:endParaRPr lang="en-US" sz="3600" baseline="-25000" dirty="0">
+              <a:latin typeface="Times New Roman" panose="02020603050405020304" pitchFamily="18" charset="0"/>
+              <a:cs typeface="Times New Roman" panose="02020603050405020304" pitchFamily="18" charset="0"/>
+            </a:endParaRPr>
+          </a:p>
+          <a:p>
+            <a:endParaRPr lang="en-US" sz="3600" baseline="-25000" dirty="0">
+              <a:latin typeface="Times New Roman" panose="02020603050405020304" pitchFamily="18" charset="0"/>
+              <a:cs typeface="Times New Roman" panose="02020603050405020304" pitchFamily="18" charset="0"/>
+            </a:endParaRPr>
+          </a:p>
+          <a:p>
+            <a:endParaRPr lang="en-US" sz="3600" baseline="-25000" dirty="0">
+              <a:latin typeface="Times New Roman" panose="02020603050405020304" pitchFamily="18" charset="0"/>
+              <a:cs typeface="Times New Roman" panose="02020603050405020304" pitchFamily="18" charset="0"/>
+            </a:endParaRPr>
+          </a:p>
+          <a:p>
+            <a:endParaRPr lang="en-US" sz="3600" baseline="-25000" dirty="0">
+              <a:latin typeface="Times New Roman" panose="02020603050405020304" pitchFamily="18" charset="0"/>
+              <a:cs typeface="Times New Roman" panose="02020603050405020304" pitchFamily="18" charset="0"/>
+            </a:endParaRPr>
+          </a:p>
+          <a:p>
+            <a:endParaRPr lang="en-US" sz="3600" baseline="-25000" dirty="0">
+              <a:latin typeface="Times New Roman" panose="02020603050405020304" pitchFamily="18" charset="0"/>
+              <a:cs typeface="Times New Roman" panose="02020603050405020304" pitchFamily="18" charset="0"/>
+            </a:endParaRPr>
+          </a:p>
+          <a:p>
+            <a:endParaRPr lang="en-US" sz="3600" baseline="-25000" dirty="0">
+              <a:latin typeface="Times New Roman" panose="02020603050405020304" pitchFamily="18" charset="0"/>
+              <a:cs typeface="Times New Roman" panose="02020603050405020304" pitchFamily="18" charset="0"/>
+            </a:endParaRPr>
+          </a:p>
+          <a:p>
+            <a:pPr algn="ctr"/>
             <a:r>
               <a:rPr lang="en-US" sz="3600" baseline="-25000" dirty="0">
                 <a:latin typeface="Times New Roman" panose="02020603050405020304" pitchFamily="18" charset="0"/>
                 <a:cs typeface="Times New Roman" panose="02020603050405020304" pitchFamily="18" charset="0"/>
               </a:rPr>
-              <a:t>				</a:t>
-            </a:r>
-            <a:r>
-              <a:rPr lang="en-US" sz="2400" baseline="-25000" dirty="0">
-                <a:latin typeface="Times New Roman" panose="02020603050405020304" pitchFamily="18" charset="0"/>
-                <a:cs typeface="Times New Roman" panose="02020603050405020304" pitchFamily="18" charset="0"/>
-              </a:rPr>
-              <a:t>Figure 1: </a:t>
-            </a:r>
-            <a:r>
-              <a:rPr lang="en-US" sz="3600" baseline="-25000" dirty="0">
-                <a:latin typeface="Times New Roman" panose="02020603050405020304" pitchFamily="18" charset="0"/>
-                <a:cs typeface="Times New Roman" panose="02020603050405020304" pitchFamily="18" charset="0"/>
-              </a:rPr>
-              <a:t> </a:t>
-            </a:r>
-            <a:r>
-              <a:rPr lang="en-US" sz="2000" baseline="-25000" dirty="0">
-                <a:latin typeface="Times New Roman" panose="02020603050405020304" pitchFamily="18" charset="0"/>
-                <a:cs typeface="Times New Roman" panose="02020603050405020304" pitchFamily="18" charset="0"/>
-              </a:rPr>
-              <a:t>Periodic table of the elements color coded by the element source. Note the trend where most of the elements, </a:t>
-            </a:r>
-          </a:p>
-          <a:p>
-            <a:r>
-              <a:rPr lang="en-US" sz="2000" baseline="-25000" dirty="0">
-                <a:latin typeface="Times New Roman" panose="02020603050405020304" pitchFamily="18" charset="0"/>
-                <a:cs typeface="Times New Roman" panose="02020603050405020304" pitchFamily="18" charset="0"/>
-              </a:rPr>
-              <a:t>				starting from Sr to Pu, are mainly created by neutron star mergers. Other contributions come from supernovae.</a:t>
-            </a:r>
-            <a:endParaRPr lang="en-US" sz="3600" baseline="-25000" dirty="0">
-              <a:latin typeface="Times New Roman" panose="02020603050405020304" pitchFamily="18" charset="0"/>
-              <a:cs typeface="Times New Roman" panose="02020603050405020304" pitchFamily="18" charset="0"/>
-            </a:endParaRPr>
-          </a:p>
-          <a:p>
-            <a:pPr algn="ctr"/>
+              <a:t>	</a:t>
+            </a:r>
             <a:r>
               <a:rPr lang="en-US" sz="5400" b="1" baseline="-25000" dirty="0">
                 <a:solidFill>
@@ -4302,28 +4317,8 @@
                 <a:latin typeface="Times New Roman" panose="02020603050405020304" pitchFamily="18" charset="0"/>
                 <a:cs typeface="Times New Roman" panose="02020603050405020304" pitchFamily="18" charset="0"/>
               </a:rPr>
-              <a:t>Comprehension of how the r-process works in neutron star mergers is key to understanding the origin of the heavy elements. Now, we don’t simply want to understand which elements have the largest abundances produced in these mergers. Instead, we wish to look at which ionization states, charge states, and isoelectronic states of which elements dominate the merger mixture at late times. At these times between 1 hour to 2 weeks after the merger, many of the newly formed isotopes wouldn’t decay, thus contributing both to the spectra observed and the overall abundance of the heavy elements. By studying these r-process elements’ abundances, we can create a useful database of the most important ionization states. This database would be useful for Astronomers as they would know exactly which aspect of the spectra to examine and thus confirm which elements formed in the material. The kilonova light curve for GW170817 is rather detailed and there is much data on it, but due to the numerous amount of lines present, it is unrealistic to account for every element’s spectral lines. Therefore, the Atomic Physics behind several ionization states must be accounted for, which means the transition energies and the energy levels are of high importance. </a:t>
-            </a:r>
-          </a:p>
-          <a:p>
-            <a:endParaRPr lang="en-US" sz="3600" baseline="-25000" dirty="0">
-              <a:solidFill>
-                <a:srgbClr val="FF0000"/>
-              </a:solidFill>
-              <a:latin typeface="Times New Roman" panose="02020603050405020304" pitchFamily="18" charset="0"/>
-              <a:cs typeface="Times New Roman" panose="02020603050405020304" pitchFamily="18" charset="0"/>
-            </a:endParaRPr>
-          </a:p>
-          <a:p>
-            <a:endParaRPr lang="en-US" sz="3600" baseline="-25000" dirty="0">
-              <a:solidFill>
-                <a:srgbClr val="FF0000"/>
-              </a:solidFill>
-              <a:latin typeface="Times New Roman" panose="02020603050405020304" pitchFamily="18" charset="0"/>
-              <a:cs typeface="Times New Roman" panose="02020603050405020304" pitchFamily="18" charset="0"/>
-            </a:endParaRPr>
-          </a:p>
-          <a:p>
+              <a:t>Understanding how the r-process operates in NSMs is necessary to detailing how these heavy elements form. Our goal is to look at which ionization states and isoelectronic states of which elements dominate the merger mixture at late times. Between 1 hour to 2 weeks after the merger, many of the newly formed isotopes don’t have significant variations in their abundance, indicating they contribute both to the optical spectra observed and the overall abundance of the heavy elements(see Fig.3). The kilonova light curve for GW170817 is rather detailed but due to the numerous contributing lines present, the ionization states specific to the lanthanides that are important to the late time merger material should be studied(see Fig.2). Many NSM and kilonova codes use varying atomic databases for opacity and spectra calculations, so by uncovering which ionization states are important, we can measure their properties in a laboratory to benchmark all the atomic calculations used by these codes. </a:t>
+            </a:r>
             <a:endParaRPr lang="en-US" sz="3600" baseline="-25000" dirty="0">
               <a:solidFill>
                 <a:srgbClr val="FF0000"/>
@@ -4691,8 +4686,8 @@
         </p:blipFill>
         <p:spPr bwMode="auto">
           <a:xfrm>
-            <a:off x="1701800" y="9222482"/>
-            <a:ext cx="8528460" cy="4264230"/>
+            <a:off x="1331490" y="9030233"/>
+            <a:ext cx="9069810" cy="4534905"/>
           </a:xfrm>
           <a:prstGeom prst="rect">
             <a:avLst/>
@@ -4730,37 +4725,8 @@
         </p:blipFill>
         <p:spPr>
           <a:xfrm>
-            <a:off x="47113" y="19416023"/>
-            <a:ext cx="6100452" cy="4788871"/>
-          </a:xfrm>
-          <a:prstGeom prst="rect">
-            <a:avLst/>
-          </a:prstGeom>
-        </p:spPr>
-      </p:pic>
-      <p:pic>
-        <p:nvPicPr>
-          <p:cNvPr id="10" name="Picture 9">
-            <a:extLst>
-              <a:ext uri="{FF2B5EF4-FFF2-40B4-BE49-F238E27FC236}">
-                <a16:creationId xmlns:a16="http://schemas.microsoft.com/office/drawing/2014/main" id="{A3BE90E1-5689-4163-BF19-0BBC4DDD6F51}"/>
-              </a:ext>
-            </a:extLst>
-          </p:cNvPr>
-          <p:cNvPicPr>
-            <a:picLocks noChangeAspect="1"/>
-          </p:cNvPicPr>
-          <p:nvPr/>
-        </p:nvPicPr>
-        <p:blipFill rotWithShape="1">
-          <a:blip r:embed="rId6"/>
-          <a:srcRect l="50419" t="25499" r="21580" b="30533"/>
-          <a:stretch/>
-        </p:blipFill>
-        <p:spPr>
-          <a:xfrm>
-            <a:off x="6687318" y="19565321"/>
-            <a:ext cx="5663213" cy="4639573"/>
+            <a:off x="161247" y="19369061"/>
+            <a:ext cx="6896199" cy="5413535"/>
           </a:xfrm>
           <a:prstGeom prst="rect">
             <a:avLst/>
@@ -4781,8 +4747,8 @@
         </p:nvSpPr>
         <p:spPr>
           <a:xfrm>
-            <a:off x="1012238" y="24593833"/>
-            <a:ext cx="5042460" cy="738664"/>
+            <a:off x="1012238" y="24998039"/>
+            <a:ext cx="5042460" cy="769441"/>
           </a:xfrm>
           <a:prstGeom prst="rect">
             <a:avLst/>
@@ -4800,73 +4766,28 @@
                 <a:latin typeface="Times New Roman" panose="02020603050405020304" pitchFamily="18" charset="0"/>
                 <a:cs typeface="Times New Roman" panose="02020603050405020304" pitchFamily="18" charset="0"/>
               </a:rPr>
-              <a:t>Figure 2: This light curve by Kasen et al. depicts the changes in the amount of light emitted by the ejecta mass, each with different fractions of lanthanides.</a:t>
-            </a:r>
-          </a:p>
-        </p:txBody>
-      </p:sp>
-      <p:sp>
-        <p:nvSpPr>
-          <p:cNvPr id="12" name="TextBox 11">
-            <a:extLst>
-              <a:ext uri="{FF2B5EF4-FFF2-40B4-BE49-F238E27FC236}">
-                <a16:creationId xmlns:a16="http://schemas.microsoft.com/office/drawing/2014/main" id="{E998D19F-8E7C-420B-B1B1-73421F5A022D}"/>
-              </a:ext>
-            </a:extLst>
-          </p:cNvPr>
-          <p:cNvSpPr txBox="1"/>
-          <p:nvPr/>
-        </p:nvSpPr>
-        <p:spPr>
-          <a:xfrm>
-            <a:off x="7019823" y="24581840"/>
-            <a:ext cx="5042460" cy="738664"/>
-          </a:xfrm>
-          <a:prstGeom prst="rect">
-            <a:avLst/>
-          </a:prstGeom>
-          <a:noFill/>
-        </p:spPr>
-        <p:txBody>
-          <a:bodyPr wrap="square" rtlCol="0">
-            <a:spAutoFit/>
-          </a:bodyPr>
-          <a:lstStyle/>
-          <a:p>
+              <a:t>Figure 2: This light curve by Kasen et al.</a:t>
+            </a:r>
+            <a:r>
+              <a:rPr lang="en-US" sz="1600" baseline="30000" dirty="0">
+                <a:latin typeface="Times New Roman" panose="02020603050405020304" pitchFamily="18" charset="0"/>
+                <a:cs typeface="Times New Roman" panose="02020603050405020304" pitchFamily="18" charset="0"/>
+              </a:rPr>
+              <a:t>2</a:t>
+            </a:r>
+            <a:r>
+              <a:rPr lang="en-US" sz="1600" dirty="0">
+                <a:latin typeface="Times New Roman" panose="02020603050405020304" pitchFamily="18" charset="0"/>
+                <a:cs typeface="Times New Roman" panose="02020603050405020304" pitchFamily="18" charset="0"/>
+              </a:rPr>
+              <a:t> </a:t>
+            </a:r>
             <a:r>
               <a:rPr lang="en-US" sz="1400" dirty="0">
                 <a:latin typeface="Times New Roman" panose="02020603050405020304" pitchFamily="18" charset="0"/>
                 <a:cs typeface="Times New Roman" panose="02020603050405020304" pitchFamily="18" charset="0"/>
               </a:rPr>
-              <a:t>Figure 3: </a:t>
-            </a:r>
-            <a:r>
-              <a:rPr lang="en-US" sz="1400" dirty="0" err="1">
-                <a:latin typeface="Times New Roman" panose="02020603050405020304" pitchFamily="18" charset="0"/>
-                <a:cs typeface="Times New Roman" panose="02020603050405020304" pitchFamily="18" charset="0"/>
-              </a:rPr>
-              <a:t>Arcavi</a:t>
-            </a:r>
-            <a:r>
-              <a:rPr lang="en-US" sz="1400" dirty="0">
-                <a:latin typeface="Times New Roman" panose="02020603050405020304" pitchFamily="18" charset="0"/>
-                <a:cs typeface="Times New Roman" panose="02020603050405020304" pitchFamily="18" charset="0"/>
-              </a:rPr>
-              <a:t> et al</a:t>
-            </a:r>
-            <a:r>
-              <a:rPr lang="en-US" sz="1400" baseline="30000" dirty="0">
-                <a:latin typeface="Times New Roman" panose="02020603050405020304" pitchFamily="18" charset="0"/>
-                <a:cs typeface="Times New Roman" panose="02020603050405020304" pitchFamily="18" charset="0"/>
-              </a:rPr>
-              <a:t>3 ‘</a:t>
-            </a:r>
-            <a:r>
-              <a:rPr lang="en-US" sz="1400" dirty="0">
-                <a:latin typeface="Times New Roman" panose="02020603050405020304" pitchFamily="18" charset="0"/>
-                <a:cs typeface="Times New Roman" panose="02020603050405020304" pitchFamily="18" charset="0"/>
-              </a:rPr>
-              <a:t>s light curve depicts how the brightness of the light observed decreases as a function of time. The light curve differs substantially compared to the model by Kasen et al.</a:t>
+              <a:t>depicts the changes in the amount of light emitted by the ejecta mass, each with different fractions of lanthanides.</a:t>
             </a:r>
           </a:p>
         </p:txBody>
@@ -4886,7 +4807,7 @@
         <p:spPr>
           <a:xfrm>
             <a:off x="13036553" y="2880216"/>
-            <a:ext cx="12449687" cy="23360241"/>
+            <a:ext cx="12449687" cy="23729573"/>
           </a:xfrm>
           <a:prstGeom prst="rect">
             <a:avLst/>
@@ -4921,8 +4842,90 @@
                 <a:latin typeface="Times New Roman" panose="02020603050405020304" pitchFamily="18" charset="0"/>
                 <a:cs typeface="Times New Roman" panose="02020603050405020304" pitchFamily="18" charset="0"/>
               </a:rPr>
-              <a:t>Skynet, a nuclear reaction network code developed by Jonas Lippuner and Luke Roberts, was utilized to output all the elemental abundances for hydrogen all the way to elements beyond oganesson. The Saha equation is utilized here since there is a useful relationship between the nth and (n+1)th ionization states. However, since we didn't ‘t have access to any specific ionization state or any free electron fraction values across time, we developed numerous equations relating the elemental abundances to each ionization state abundance. Using these equations, we built three abundance functions: the first used only one element, samarium, to calculate the abundances across all 63 ionization states while the second involved two elements, samarium and europium. The final code simply requires the user to input any number of elements they want and which ones to consider.  An important idea to note is that the abundance calculation code only utilizes data for elements 1 to 103 since we are focused on the lanthanides and actinides only. Also, the NIST table has numerous gaps in their database of ionization potentials for any element heavier than lawrencium. </a:t>
-            </a:r>
+              <a:t>Skynet</a:t>
+            </a:r>
+            <a:r>
+              <a:rPr lang="en-US" sz="2000" baseline="30000" dirty="0">
+                <a:latin typeface="Times New Roman" panose="02020603050405020304" pitchFamily="18" charset="0"/>
+                <a:cs typeface="Times New Roman" panose="02020603050405020304" pitchFamily="18" charset="0"/>
+              </a:rPr>
+              <a:t>4</a:t>
+            </a:r>
+            <a:r>
+              <a:rPr lang="en-US" sz="3600" baseline="-25000" dirty="0">
+                <a:latin typeface="Times New Roman" panose="02020603050405020304" pitchFamily="18" charset="0"/>
+                <a:cs typeface="Times New Roman" panose="02020603050405020304" pitchFamily="18" charset="0"/>
+              </a:rPr>
+              <a:t>, a nuclear reaction network code developed by Jonas Lippuner and Luke Roberts, was utilized to output all the elemental abundances for hydrogen all the way to elements beyond oganesson. The inputs used for Skynet are the starting temperature, electron fraction, entropy, and expansion timescale, which were set to values of 6 GK, .01, 10k_b/baryon, and 7.1 </a:t>
+            </a:r>
+            <a:r>
+              <a:rPr lang="en-US" sz="3600" baseline="-25000" dirty="0" err="1">
+                <a:latin typeface="Times New Roman" panose="02020603050405020304" pitchFamily="18" charset="0"/>
+                <a:cs typeface="Times New Roman" panose="02020603050405020304" pitchFamily="18" charset="0"/>
+              </a:rPr>
+              <a:t>ms</a:t>
+            </a:r>
+            <a:r>
+              <a:rPr lang="en-US" sz="3600" baseline="-25000" dirty="0">
+                <a:latin typeface="Times New Roman" panose="02020603050405020304" pitchFamily="18" charset="0"/>
+                <a:cs typeface="Times New Roman" panose="02020603050405020304" pitchFamily="18" charset="0"/>
+              </a:rPr>
+              <a:t>, respectively. The Saha equation is utilized here since there is a useful relationship between the nth and (n+1)th ionization states. By solving the Saha equations, we built an abundance function that simply requires the user to input any number of elements they want and which ones to consider.  An important idea to note is that the abundance calculation code only utilizes data for elements 1 to 103 since we are focused on the lanthanides and actinides only. </a:t>
+            </a:r>
+          </a:p>
+          <a:p>
+            <a:endParaRPr lang="en-US" sz="3600" baseline="-25000" dirty="0">
+              <a:solidFill>
+                <a:srgbClr val="FF0000"/>
+              </a:solidFill>
+              <a:latin typeface="Times New Roman" panose="02020603050405020304" pitchFamily="18" charset="0"/>
+              <a:cs typeface="Times New Roman" panose="02020603050405020304" pitchFamily="18" charset="0"/>
+            </a:endParaRPr>
+          </a:p>
+          <a:p>
+            <a:endParaRPr lang="en-US" sz="3600" baseline="-25000" dirty="0">
+              <a:solidFill>
+                <a:srgbClr val="FF0000"/>
+              </a:solidFill>
+              <a:latin typeface="Times New Roman" panose="02020603050405020304" pitchFamily="18" charset="0"/>
+              <a:cs typeface="Times New Roman" panose="02020603050405020304" pitchFamily="18" charset="0"/>
+            </a:endParaRPr>
+          </a:p>
+          <a:p>
+            <a:endParaRPr lang="en-US" sz="3600" baseline="-25000" dirty="0">
+              <a:solidFill>
+                <a:srgbClr val="FF0000"/>
+              </a:solidFill>
+              <a:latin typeface="Times New Roman" panose="02020603050405020304" pitchFamily="18" charset="0"/>
+              <a:cs typeface="Times New Roman" panose="02020603050405020304" pitchFamily="18" charset="0"/>
+            </a:endParaRPr>
+          </a:p>
+          <a:p>
+            <a:endParaRPr lang="en-US" sz="3600" baseline="-25000" dirty="0">
+              <a:solidFill>
+                <a:srgbClr val="FF0000"/>
+              </a:solidFill>
+              <a:latin typeface="Times New Roman" panose="02020603050405020304" pitchFamily="18" charset="0"/>
+              <a:cs typeface="Times New Roman" panose="02020603050405020304" pitchFamily="18" charset="0"/>
+            </a:endParaRPr>
+          </a:p>
+          <a:p>
+            <a:endParaRPr lang="en-US" sz="3600" baseline="-25000" dirty="0">
+              <a:solidFill>
+                <a:srgbClr val="FF0000"/>
+              </a:solidFill>
+              <a:latin typeface="Times New Roman" panose="02020603050405020304" pitchFamily="18" charset="0"/>
+              <a:cs typeface="Times New Roman" panose="02020603050405020304" pitchFamily="18" charset="0"/>
+            </a:endParaRPr>
+          </a:p>
+          <a:p>
+            <a:endParaRPr lang="en-US" sz="3600" baseline="-25000" dirty="0">
+              <a:solidFill>
+                <a:srgbClr val="FF0000"/>
+              </a:solidFill>
+              <a:latin typeface="Times New Roman" panose="02020603050405020304" pitchFamily="18" charset="0"/>
+              <a:cs typeface="Times New Roman" panose="02020603050405020304" pitchFamily="18" charset="0"/>
+            </a:endParaRPr>
           </a:p>
           <a:p>
             <a:endParaRPr lang="en-US" sz="3600" baseline="-25000" dirty="0">
@@ -5070,7 +5073,7 @@
                 <a:latin typeface="Times New Roman" panose="02020603050405020304" pitchFamily="18" charset="0"/>
                 <a:cs typeface="Times New Roman" panose="02020603050405020304" pitchFamily="18" charset="0"/>
               </a:rPr>
-              <a:t>Our calculations yielded abundances of all ionization states for all elements between Hydrogen and Lawrencium inclusive. For all elements, the abundances for late times after approximately 10</a:t>
+              <a:t>Our calculations yielded abundances of all ionization states for all elements between hydrogen and lawrencium inclusive. For all elements, the abundances for late times after approximately 10</a:t>
             </a:r>
             <a:r>
               <a:rPr lang="en-US" sz="2200" dirty="0">
@@ -5112,7 +5115,7 @@
                 <a:latin typeface="Times New Roman" panose="02020603050405020304" pitchFamily="18" charset="0"/>
                 <a:cs typeface="Times New Roman" panose="02020603050405020304" pitchFamily="18" charset="0"/>
               </a:rPr>
-              <a:t>eV are all 0 besides the charge neutral state. For early times, so for temperatures larger than 10</a:t>
+              <a:t>eV are negligible besides the charge neutral state. For early times, so for temperatures larger than 10</a:t>
             </a:r>
             <a:r>
               <a:rPr lang="en-US" sz="2200" dirty="0">
@@ -5140,7 +5143,7 @@
                 <a:latin typeface="Times New Roman" panose="02020603050405020304" pitchFamily="18" charset="0"/>
                 <a:cs typeface="Times New Roman" panose="02020603050405020304" pitchFamily="18" charset="0"/>
               </a:rPr>
-              <a:t>sec, the abundances for most ionization states of any element are 0 except for the much more energetic charge states and the fully ionized ones. Note that all the abundances should be 0 besides the fully ionized one at early times but we did not account for electron degeneracy in the mixture. The free and bound electron fractions are calculated independent to Skynet output and contribute to the trends of the total electron fraction. The electron fraction is one of the important aspects of the Saha equation since it is an indicator of how the electrons are distributed in the medium. It affects how abundant certain charge states can be. All the elements’ charge state abundances follow the same pattern: as the energy of the system decreases, a given charge state becomes less dominant at the same time the lower charge states become significant, thus producing these peaks of the abundances. In fact, the crossing where the dominant species changes is approximately where the transition energy occurs. </a:t>
+              <a:t>sec, the abundances for most ionization states of any element are 0 except for the much more energetic ionization states and the fully ionized ones. Note that all the abundances should be negligible besides the fully ionized one at early times, but we did not account for electron degeneracy in the mixture. The free and bound electron fractions are calculated independent to Skynet output and contribute to the trends of the total electron fraction. The electron fraction is one of the important aspects of the Saha equation since it is an indicator of how the electrons are distributed in the medium. It affects how abundant certain states can be. All the elements’ ionization state abundances follow the same pattern: as the energy of the system decreases, a given ionization state becomes less dominant at the same time the lower states become significant, thus producing these peaks of the abundances. In fact, the crossing where the dominant species changes is approximately where the transition energy occurs. According to the ionization state calculations, the top 17 states are significant for times of 1 hour to 2 weeks. </a:t>
             </a:r>
           </a:p>
           <a:p>
@@ -5244,6 +5247,25 @@
             </a:endParaRPr>
           </a:p>
           <a:p>
+            <a:endParaRPr lang="en-US" sz="3600" baseline="-25000" dirty="0">
+              <a:latin typeface="Times New Roman" panose="02020603050405020304" pitchFamily="18" charset="0"/>
+              <a:cs typeface="Times New Roman" panose="02020603050405020304" pitchFamily="18" charset="0"/>
+            </a:endParaRPr>
+          </a:p>
+          <a:p>
+            <a:endParaRPr lang="en-US" sz="3600" baseline="-25000" dirty="0">
+              <a:latin typeface="Times New Roman" panose="02020603050405020304" pitchFamily="18" charset="0"/>
+              <a:cs typeface="Times New Roman" panose="02020603050405020304" pitchFamily="18" charset="0"/>
+            </a:endParaRPr>
+          </a:p>
+          <a:p>
+            <a:pPr algn="ctr"/>
+            <a:endParaRPr lang="en-US" sz="3600" baseline="-25000" dirty="0">
+              <a:latin typeface="Times New Roman" panose="02020603050405020304" pitchFamily="18" charset="0"/>
+              <a:cs typeface="Times New Roman" panose="02020603050405020304" pitchFamily="18" charset="0"/>
+            </a:endParaRPr>
+          </a:p>
+          <a:p>
             <a:pPr marL="571500" indent="-571500">
               <a:buFont typeface="Arial" panose="020B0604020202020204" pitchFamily="34" charset="0"/>
               <a:buChar char="•"/>
@@ -5254,25 +5276,6 @@
             </a:endParaRPr>
           </a:p>
           <a:p>
-            <a:endParaRPr lang="en-US" sz="3600" baseline="-25000" dirty="0">
-              <a:latin typeface="Times New Roman" panose="02020603050405020304" pitchFamily="18" charset="0"/>
-              <a:cs typeface="Times New Roman" panose="02020603050405020304" pitchFamily="18" charset="0"/>
-            </a:endParaRPr>
-          </a:p>
-          <a:p>
-            <a:endParaRPr lang="en-US" sz="3600" baseline="-25000" dirty="0">
-              <a:latin typeface="Times New Roman" panose="02020603050405020304" pitchFamily="18" charset="0"/>
-              <a:cs typeface="Times New Roman" panose="02020603050405020304" pitchFamily="18" charset="0"/>
-            </a:endParaRPr>
-          </a:p>
-          <a:p>
-            <a:pPr algn="ctr"/>
-            <a:endParaRPr lang="en-US" sz="3600" baseline="-25000" dirty="0">
-              <a:latin typeface="Times New Roman" panose="02020603050405020304" pitchFamily="18" charset="0"/>
-              <a:cs typeface="Times New Roman" panose="02020603050405020304" pitchFamily="18" charset="0"/>
-            </a:endParaRPr>
-          </a:p>
-          <a:p>
             <a:pPr marL="571500" indent="-571500">
               <a:buFont typeface="Arial" panose="020B0604020202020204" pitchFamily="34" charset="0"/>
               <a:buChar char="•"/>
@@ -5292,65 +5295,8 @@
               <a:cs typeface="Times New Roman" panose="02020603050405020304" pitchFamily="18" charset="0"/>
             </a:endParaRPr>
           </a:p>
-          <a:p>
-            <a:pPr marL="571500" indent="-571500">
-              <a:buFont typeface="Arial" panose="020B0604020202020204" pitchFamily="34" charset="0"/>
-              <a:buChar char="•"/>
-            </a:pPr>
-            <a:endParaRPr lang="en-US" sz="3600" baseline="-25000" dirty="0">
-              <a:latin typeface="Times New Roman" panose="02020603050405020304" pitchFamily="18" charset="0"/>
-              <a:cs typeface="Times New Roman" panose="02020603050405020304" pitchFamily="18" charset="0"/>
-            </a:endParaRPr>
-          </a:p>
-        </p:txBody>
-      </p:sp>
-      <p:pic>
-        <p:nvPicPr>
-          <p:cNvPr id="17" name="Picture 2">
-            <a:extLst>
-              <a:ext uri="{FF2B5EF4-FFF2-40B4-BE49-F238E27FC236}">
-                <a16:creationId xmlns:a16="http://schemas.microsoft.com/office/drawing/2014/main" id="{D1C2D4EB-3156-4B79-BC4A-772B47F01117}"/>
-              </a:ext>
-            </a:extLst>
-          </p:cNvPr>
-          <p:cNvPicPr>
-            <a:picLocks noChangeAspect="1" noChangeArrowheads="1"/>
-          </p:cNvPicPr>
-          <p:nvPr/>
-        </p:nvPicPr>
-        <p:blipFill>
-          <a:blip r:embed="rId7">
-            <a:extLst>
-              <a:ext uri="{28A0092B-C50C-407E-A947-70E740481C1C}">
-                <a14:useLocalDpi xmlns:a14="http://schemas.microsoft.com/office/drawing/2010/main" val="0"/>
-              </a:ext>
-            </a:extLst>
-          </a:blip>
-          <a:srcRect/>
-          <a:stretch>
-            <a:fillRect/>
-          </a:stretch>
-        </p:blipFill>
-        <p:spPr bwMode="auto">
-          <a:xfrm>
-            <a:off x="13036553" y="8982794"/>
-            <a:ext cx="6964017" cy="4743606"/>
-          </a:xfrm>
-          <a:prstGeom prst="rect">
-            <a:avLst/>
-          </a:prstGeom>
-          <a:noFill/>
-          <a:extLst>
-            <a:ext uri="{909E8E84-426E-40DD-AFC4-6F175D3DCCD1}">
-              <a14:hiddenFill xmlns:a14="http://schemas.microsoft.com/office/drawing/2010/main">
-                <a:solidFill>
-                  <a:srgbClr val="FFFFFF"/>
-                </a:solidFill>
-              </a14:hiddenFill>
-            </a:ext>
-          </a:extLst>
-        </p:spPr>
-      </p:pic>
+        </p:txBody>
+      </p:sp>
       <p:sp>
         <p:nvSpPr>
           <p:cNvPr id="2" name="TextBox 1">
@@ -5365,8 +5311,8 @@
         </p:nvSpPr>
         <p:spPr>
           <a:xfrm>
-            <a:off x="20000570" y="9369438"/>
-            <a:ext cx="4729852" cy="3970318"/>
+            <a:off x="20278419" y="12529026"/>
+            <a:ext cx="4729852" cy="1477328"/>
           </a:xfrm>
           <a:prstGeom prst="rect">
             <a:avLst/>
@@ -5384,155 +5330,21 @@
                 <a:latin typeface="Times New Roman" panose="02020603050405020304" pitchFamily="18" charset="0"/>
                 <a:cs typeface="Times New Roman" panose="02020603050405020304" pitchFamily="18" charset="0"/>
               </a:rPr>
-              <a:t>Equation 1: The Saha equation (top) is the backbone of all the ionization state abundance calculations. Y</a:t>
-            </a:r>
-            <a:r>
-              <a:rPr lang="en-US" baseline="-25000" dirty="0">
-                <a:latin typeface="Times New Roman" panose="02020603050405020304" pitchFamily="18" charset="0"/>
-                <a:cs typeface="Times New Roman" panose="02020603050405020304" pitchFamily="18" charset="0"/>
-              </a:rPr>
-              <a:t>Z,I+1</a:t>
+              <a:t>Figure 4: Plot of abundances for all lanthanides over time (left) based on output from Skynet. Note that the abundances at early times is noise considering there are values lower than 10</a:t>
+            </a:r>
+            <a:r>
+              <a:rPr lang="en-US" baseline="30000" dirty="0">
+                <a:latin typeface="Times New Roman" panose="02020603050405020304" pitchFamily="18" charset="0"/>
+                <a:cs typeface="Times New Roman" panose="02020603050405020304" pitchFamily="18" charset="0"/>
+              </a:rPr>
+              <a:t>-20</a:t>
             </a:r>
             <a:r>
               <a:rPr lang="en-US" dirty="0">
                 <a:latin typeface="Times New Roman" panose="02020603050405020304" pitchFamily="18" charset="0"/>
                 <a:cs typeface="Times New Roman" panose="02020603050405020304" pitchFamily="18" charset="0"/>
               </a:rPr>
-              <a:t>/Y</a:t>
-            </a:r>
-            <a:r>
-              <a:rPr lang="en-US" baseline="-25000" dirty="0">
-                <a:latin typeface="Times New Roman" panose="02020603050405020304" pitchFamily="18" charset="0"/>
-                <a:cs typeface="Times New Roman" panose="02020603050405020304" pitchFamily="18" charset="0"/>
-              </a:rPr>
-              <a:t>Z</a:t>
-            </a:r>
-            <a:r>
-              <a:rPr lang="en-US" dirty="0">
-                <a:latin typeface="Times New Roman" panose="02020603050405020304" pitchFamily="18" charset="0"/>
-                <a:cs typeface="Times New Roman" panose="02020603050405020304" pitchFamily="18" charset="0"/>
-              </a:rPr>
-              <a:t> refers to the ratio of the Z+1 ionization state abundance to the </a:t>
-            </a:r>
-            <a:r>
-              <a:rPr lang="en-US" dirty="0" err="1">
-                <a:latin typeface="Times New Roman" panose="02020603050405020304" pitchFamily="18" charset="0"/>
-                <a:cs typeface="Times New Roman" panose="02020603050405020304" pitchFamily="18" charset="0"/>
-              </a:rPr>
-              <a:t>Zth</a:t>
-            </a:r>
-            <a:r>
-              <a:rPr lang="en-US" dirty="0">
-                <a:latin typeface="Times New Roman" panose="02020603050405020304" pitchFamily="18" charset="0"/>
-                <a:cs typeface="Times New Roman" panose="02020603050405020304" pitchFamily="18" charset="0"/>
-              </a:rPr>
-              <a:t> ionization state abundance. </a:t>
-            </a:r>
-            <a:r>
-              <a:rPr lang="en-US" dirty="0" err="1">
-                <a:latin typeface="Times New Roman" panose="02020603050405020304" pitchFamily="18" charset="0"/>
-                <a:cs typeface="Times New Roman" panose="02020603050405020304" pitchFamily="18" charset="0"/>
-              </a:rPr>
-              <a:t>Y</a:t>
-            </a:r>
-            <a:r>
-              <a:rPr lang="en-US" baseline="-25000" dirty="0" err="1">
-                <a:latin typeface="Times New Roman" panose="02020603050405020304" pitchFamily="18" charset="0"/>
-                <a:cs typeface="Times New Roman" panose="02020603050405020304" pitchFamily="18" charset="0"/>
-              </a:rPr>
-              <a:t>e,tot</a:t>
-            </a:r>
-            <a:r>
-              <a:rPr lang="en-US" dirty="0">
-                <a:latin typeface="Times New Roman" panose="02020603050405020304" pitchFamily="18" charset="0"/>
-                <a:cs typeface="Times New Roman" panose="02020603050405020304" pitchFamily="18" charset="0"/>
-              </a:rPr>
-              <a:t> is the total electron fraction of the merger material, f is the proportion of the Y</a:t>
-            </a:r>
-            <a:r>
-              <a:rPr lang="en-US" baseline="-25000" dirty="0">
-                <a:latin typeface="Times New Roman" panose="02020603050405020304" pitchFamily="18" charset="0"/>
-                <a:cs typeface="Times New Roman" panose="02020603050405020304" pitchFamily="18" charset="0"/>
-              </a:rPr>
-              <a:t>e</a:t>
-            </a:r>
-            <a:r>
-              <a:rPr lang="en-US" dirty="0">
-                <a:latin typeface="Times New Roman" panose="02020603050405020304" pitchFamily="18" charset="0"/>
-                <a:cs typeface="Times New Roman" panose="02020603050405020304" pitchFamily="18" charset="0"/>
-              </a:rPr>
-              <a:t> that is free, and </a:t>
-            </a:r>
-            <a:r>
-              <a:rPr lang="el-GR" dirty="0">
-                <a:latin typeface="Times New Roman" panose="02020603050405020304" pitchFamily="18" charset="0"/>
-                <a:cs typeface="Times New Roman" panose="02020603050405020304" pitchFamily="18" charset="0"/>
-              </a:rPr>
-              <a:t>χ</a:t>
-            </a:r>
-            <a:r>
-              <a:rPr lang="en-US" baseline="-25000" dirty="0" err="1">
-                <a:latin typeface="Times New Roman" panose="02020603050405020304" pitchFamily="18" charset="0"/>
-                <a:cs typeface="Times New Roman" panose="02020603050405020304" pitchFamily="18" charset="0"/>
-              </a:rPr>
-              <a:t>i</a:t>
-            </a:r>
-            <a:r>
-              <a:rPr lang="en-US" baseline="-25000" dirty="0">
-                <a:latin typeface="Times New Roman" panose="02020603050405020304" pitchFamily="18" charset="0"/>
-                <a:cs typeface="Times New Roman" panose="02020603050405020304" pitchFamily="18" charset="0"/>
-              </a:rPr>
-              <a:t> </a:t>
-            </a:r>
-            <a:r>
-              <a:rPr lang="en-US" dirty="0">
-                <a:latin typeface="Times New Roman" panose="02020603050405020304" pitchFamily="18" charset="0"/>
-                <a:cs typeface="Times New Roman" panose="02020603050405020304" pitchFamily="18" charset="0"/>
-              </a:rPr>
-              <a:t>is the ionization potential of the </a:t>
-            </a:r>
-            <a:r>
-              <a:rPr lang="en-US" dirty="0" err="1">
-                <a:latin typeface="Times New Roman" panose="02020603050405020304" pitchFamily="18" charset="0"/>
-                <a:cs typeface="Times New Roman" panose="02020603050405020304" pitchFamily="18" charset="0"/>
-              </a:rPr>
-              <a:t>ith</a:t>
-            </a:r>
-            <a:r>
-              <a:rPr lang="en-US" dirty="0">
-                <a:latin typeface="Times New Roman" panose="02020603050405020304" pitchFamily="18" charset="0"/>
-                <a:cs typeface="Times New Roman" panose="02020603050405020304" pitchFamily="18" charset="0"/>
-              </a:rPr>
-              <a:t> ionization state</a:t>
-            </a:r>
-          </a:p>
-          <a:p>
-            <a:endParaRPr lang="en-US" dirty="0">
-              <a:latin typeface="Times New Roman" panose="02020603050405020304" pitchFamily="18" charset="0"/>
-              <a:cs typeface="Times New Roman" panose="02020603050405020304" pitchFamily="18" charset="0"/>
-            </a:endParaRPr>
-          </a:p>
-          <a:p>
-            <a:r>
-              <a:rPr lang="en-US" dirty="0">
-                <a:latin typeface="Times New Roman" panose="02020603050405020304" pitchFamily="18" charset="0"/>
-                <a:cs typeface="Times New Roman" panose="02020603050405020304" pitchFamily="18" charset="0"/>
-              </a:rPr>
-              <a:t>Figure 4: Plot of samarium abundance over time (left) based on output from Skynet. Note that the abundances at early times is noise considering there are values lower than 10</a:t>
-            </a:r>
-            <a:r>
-              <a:rPr lang="en-US" baseline="30000" dirty="0">
-                <a:latin typeface="Times New Roman" panose="02020603050405020304" pitchFamily="18" charset="0"/>
-                <a:cs typeface="Times New Roman" panose="02020603050405020304" pitchFamily="18" charset="0"/>
-              </a:rPr>
-              <a:t>-20</a:t>
-            </a:r>
-            <a:r>
-              <a:rPr lang="en-US" dirty="0">
-                <a:latin typeface="Times New Roman" panose="02020603050405020304" pitchFamily="18" charset="0"/>
-                <a:cs typeface="Times New Roman" panose="02020603050405020304" pitchFamily="18" charset="0"/>
-              </a:rPr>
-              <a:t>. Values become important around 10</a:t>
+              <a:t>. Values become significant around 10</a:t>
             </a:r>
             <a:r>
               <a:rPr lang="en-US" baseline="30000" dirty="0">
@@ -5577,45 +5389,15 @@
           <p:nvPr/>
         </p:nvPicPr>
         <p:blipFill>
-          <a:blip r:embed="rId8"/>
+          <a:blip r:embed="rId6"/>
           <a:stretch>
             <a:fillRect/>
           </a:stretch>
         </p:blipFill>
         <p:spPr>
           <a:xfrm>
-            <a:off x="16149156" y="8013754"/>
-            <a:ext cx="8080306" cy="923857"/>
-          </a:xfrm>
-          <a:prstGeom prst="rect">
-            <a:avLst/>
-          </a:prstGeom>
-        </p:spPr>
-      </p:pic>
-      <p:pic>
-        <p:nvPicPr>
-          <p:cNvPr id="6" name="Picture 5">
-            <a:extLst>
-              <a:ext uri="{FF2B5EF4-FFF2-40B4-BE49-F238E27FC236}">
-                <a16:creationId xmlns:a16="http://schemas.microsoft.com/office/drawing/2014/main" id="{0FECE4D8-4F56-4F8F-8EA8-3838150F9CC4}"/>
-              </a:ext>
-            </a:extLst>
-          </p:cNvPr>
-          <p:cNvPicPr>
-            <a:picLocks noChangeAspect="1"/>
-          </p:cNvPicPr>
-          <p:nvPr/>
-        </p:nvPicPr>
-        <p:blipFill>
-          <a:blip r:embed="rId9"/>
-          <a:stretch>
-            <a:fillRect/>
-          </a:stretch>
-        </p:blipFill>
-        <p:spPr>
-          <a:xfrm>
-            <a:off x="12746401" y="20002265"/>
-            <a:ext cx="5846399" cy="4202629"/>
+            <a:off x="14723718" y="7134921"/>
+            <a:ext cx="8993531" cy="1028270"/>
           </a:xfrm>
           <a:prstGeom prst="rect">
             <a:avLst/>
@@ -5637,7 +5419,7 @@
         <p:spPr>
           <a:xfrm>
             <a:off x="26025993" y="2880216"/>
-            <a:ext cx="10502894" cy="7848302"/>
+            <a:ext cx="10502894" cy="31998503"/>
           </a:xfrm>
           <a:prstGeom prst="rect">
             <a:avLst/>
@@ -5668,8 +5450,423 @@
                 <a:latin typeface="Times New Roman" panose="02020603050405020304" pitchFamily="18" charset="0"/>
                 <a:cs typeface="Times New Roman" panose="02020603050405020304" pitchFamily="18" charset="0"/>
               </a:rPr>
-              <a:t>Based on our analysis of the abundance graphs </a:t>
-            </a:r>
+              <a:t>Based on the analysis of the abundance graphs, many of the lanthanides’ and actinides’ abundances become significant after the r-process occurs. Once this happens, each element undergoes numerous atomic transitions, resulting in certain ionization states to become dominant in the merger material until the neutral state dominates for low temperatures/late times. The total ionization state abundances of the lanthanides indicate that 17 ionization states are important from one hour to two weeks, but only the neutral state and the first two ionization states are significant on the orders of days to weeks. Figure 7 shows how the number of important isoelectronic states varies over time. At late times, there are 14 important ones, reassuring there are 14 lanthanides to consider.</a:t>
+            </a:r>
+          </a:p>
+          <a:p>
+            <a:endParaRPr lang="en-US" sz="3600" baseline="-25000" dirty="0">
+              <a:latin typeface="Times New Roman" panose="02020603050405020304" pitchFamily="18" charset="0"/>
+              <a:cs typeface="Times New Roman" panose="02020603050405020304" pitchFamily="18" charset="0"/>
+            </a:endParaRPr>
+          </a:p>
+          <a:p>
+            <a:endParaRPr lang="en-US" sz="3600" baseline="-25000" dirty="0">
+              <a:latin typeface="Times New Roman" panose="02020603050405020304" pitchFamily="18" charset="0"/>
+              <a:cs typeface="Times New Roman" panose="02020603050405020304" pitchFamily="18" charset="0"/>
+            </a:endParaRPr>
+          </a:p>
+          <a:p>
+            <a:endParaRPr lang="en-US" sz="3600" baseline="-25000" dirty="0">
+              <a:latin typeface="Times New Roman" panose="02020603050405020304" pitchFamily="18" charset="0"/>
+              <a:cs typeface="Times New Roman" panose="02020603050405020304" pitchFamily="18" charset="0"/>
+            </a:endParaRPr>
+          </a:p>
+          <a:p>
+            <a:endParaRPr lang="en-US" sz="3600" baseline="-25000" dirty="0">
+              <a:latin typeface="Times New Roman" panose="02020603050405020304" pitchFamily="18" charset="0"/>
+              <a:cs typeface="Times New Roman" panose="02020603050405020304" pitchFamily="18" charset="0"/>
+            </a:endParaRPr>
+          </a:p>
+          <a:p>
+            <a:endParaRPr lang="en-US" sz="3600" baseline="-25000" dirty="0">
+              <a:latin typeface="Times New Roman" panose="02020603050405020304" pitchFamily="18" charset="0"/>
+              <a:cs typeface="Times New Roman" panose="02020603050405020304" pitchFamily="18" charset="0"/>
+            </a:endParaRPr>
+          </a:p>
+          <a:p>
+            <a:endParaRPr lang="en-US" sz="3600" baseline="-25000" dirty="0">
+              <a:latin typeface="Times New Roman" panose="02020603050405020304" pitchFamily="18" charset="0"/>
+              <a:cs typeface="Times New Roman" panose="02020603050405020304" pitchFamily="18" charset="0"/>
+            </a:endParaRPr>
+          </a:p>
+          <a:p>
+            <a:endParaRPr lang="en-US" sz="3600" baseline="-25000" dirty="0">
+              <a:latin typeface="Times New Roman" panose="02020603050405020304" pitchFamily="18" charset="0"/>
+              <a:cs typeface="Times New Roman" panose="02020603050405020304" pitchFamily="18" charset="0"/>
+            </a:endParaRPr>
+          </a:p>
+          <a:p>
+            <a:endParaRPr lang="en-US" sz="3600" baseline="-25000" dirty="0">
+              <a:latin typeface="Times New Roman" panose="02020603050405020304" pitchFamily="18" charset="0"/>
+              <a:cs typeface="Times New Roman" panose="02020603050405020304" pitchFamily="18" charset="0"/>
+            </a:endParaRPr>
+          </a:p>
+          <a:p>
+            <a:endParaRPr lang="en-US" sz="3600" baseline="-25000" dirty="0">
+              <a:latin typeface="Times New Roman" panose="02020603050405020304" pitchFamily="18" charset="0"/>
+              <a:cs typeface="Times New Roman" panose="02020603050405020304" pitchFamily="18" charset="0"/>
+            </a:endParaRPr>
+          </a:p>
+          <a:p>
+            <a:endParaRPr lang="en-US" sz="3600" baseline="-25000" dirty="0">
+              <a:latin typeface="Times New Roman" panose="02020603050405020304" pitchFamily="18" charset="0"/>
+              <a:cs typeface="Times New Roman" panose="02020603050405020304" pitchFamily="18" charset="0"/>
+            </a:endParaRPr>
+          </a:p>
+          <a:p>
+            <a:endParaRPr lang="en-US" sz="3600" baseline="-25000" dirty="0">
+              <a:latin typeface="Times New Roman" panose="02020603050405020304" pitchFamily="18" charset="0"/>
+              <a:cs typeface="Times New Roman" panose="02020603050405020304" pitchFamily="18" charset="0"/>
+            </a:endParaRPr>
+          </a:p>
+          <a:p>
+            <a:endParaRPr lang="en-US" sz="3600" baseline="-25000" dirty="0">
+              <a:latin typeface="Times New Roman" panose="02020603050405020304" pitchFamily="18" charset="0"/>
+              <a:cs typeface="Times New Roman" panose="02020603050405020304" pitchFamily="18" charset="0"/>
+            </a:endParaRPr>
+          </a:p>
+          <a:p>
+            <a:endParaRPr lang="en-US" sz="3600" baseline="-25000" dirty="0">
+              <a:latin typeface="Times New Roman" panose="02020603050405020304" pitchFamily="18" charset="0"/>
+              <a:cs typeface="Times New Roman" panose="02020603050405020304" pitchFamily="18" charset="0"/>
+            </a:endParaRPr>
+          </a:p>
+          <a:p>
+            <a:endParaRPr lang="en-US" sz="3600" baseline="-25000" dirty="0">
+              <a:latin typeface="Times New Roman" panose="02020603050405020304" pitchFamily="18" charset="0"/>
+              <a:cs typeface="Times New Roman" panose="02020603050405020304" pitchFamily="18" charset="0"/>
+            </a:endParaRPr>
+          </a:p>
+          <a:p>
+            <a:endParaRPr lang="en-US" sz="3600" baseline="-25000" dirty="0">
+              <a:latin typeface="Times New Roman" panose="02020603050405020304" pitchFamily="18" charset="0"/>
+              <a:cs typeface="Times New Roman" panose="02020603050405020304" pitchFamily="18" charset="0"/>
+            </a:endParaRPr>
+          </a:p>
+          <a:p>
+            <a:endParaRPr lang="en-US" sz="3600" baseline="-25000" dirty="0">
+              <a:latin typeface="Times New Roman" panose="02020603050405020304" pitchFamily="18" charset="0"/>
+              <a:cs typeface="Times New Roman" panose="02020603050405020304" pitchFamily="18" charset="0"/>
+            </a:endParaRPr>
+          </a:p>
+          <a:p>
+            <a:endParaRPr lang="en-US" sz="3600" baseline="-25000" dirty="0">
+              <a:latin typeface="Times New Roman" panose="02020603050405020304" pitchFamily="18" charset="0"/>
+              <a:cs typeface="Times New Roman" panose="02020603050405020304" pitchFamily="18" charset="0"/>
+            </a:endParaRPr>
+          </a:p>
+          <a:p>
+            <a:endParaRPr lang="en-US" sz="3600" baseline="-25000" dirty="0">
+              <a:latin typeface="Times New Roman" panose="02020603050405020304" pitchFamily="18" charset="0"/>
+              <a:cs typeface="Times New Roman" panose="02020603050405020304" pitchFamily="18" charset="0"/>
+            </a:endParaRPr>
+          </a:p>
+          <a:p>
+            <a:pPr algn="ctr"/>
+            <a:r>
+              <a:rPr lang="en-US" sz="5400" b="1" baseline="-25000" dirty="0">
+                <a:solidFill>
+                  <a:srgbClr val="FF0000"/>
+                </a:solidFill>
+                <a:latin typeface="Times New Roman" panose="02020603050405020304" pitchFamily="18" charset="0"/>
+                <a:cs typeface="Times New Roman" panose="02020603050405020304" pitchFamily="18" charset="0"/>
+              </a:rPr>
+              <a:t>Future Work</a:t>
+            </a:r>
+          </a:p>
+          <a:p>
+            <a:r>
+              <a:rPr lang="en-US" sz="3600" baseline="-25000" dirty="0">
+                <a:latin typeface="Times New Roman" panose="02020603050405020304" pitchFamily="18" charset="0"/>
+                <a:cs typeface="Times New Roman" panose="02020603050405020304" pitchFamily="18" charset="0"/>
+              </a:rPr>
+              <a:t>There are a few improvements to consider for this project. For one, we excluded the partition function from the Saha equation due to its complexity. This will certainly impact our final abundance values, so we will account for them later. Also, the electron fraction is degenerate at early times, thus resulting in numerous non-zero abundances to exist at high temperatures. We did not account for this as our focus is on late times/low temperatures only. </a:t>
+            </a:r>
+          </a:p>
+          <a:p>
+            <a:endParaRPr lang="en-US" sz="3600" baseline="-25000" dirty="0">
+              <a:latin typeface="Times New Roman" panose="02020603050405020304" pitchFamily="18" charset="0"/>
+              <a:cs typeface="Times New Roman" panose="02020603050405020304" pitchFamily="18" charset="0"/>
+            </a:endParaRPr>
+          </a:p>
+          <a:p>
+            <a:r>
+              <a:rPr lang="en-US" sz="3600" baseline="-25000" dirty="0">
+                <a:latin typeface="Times New Roman" panose="02020603050405020304" pitchFamily="18" charset="0"/>
+                <a:cs typeface="Times New Roman" panose="02020603050405020304" pitchFamily="18" charset="0"/>
+              </a:rPr>
+              <a:t>Besides accounting for the partition function and the electron fraction degeneracy at early times, we will account for elements with Z larger than 103. Since the NIST table didn’t have these values, we can account for this via ionization potential calculations. Another idea is to optimize and improve the accuracy of the electron fraction calculations as it dictates how the abundances act. We could also alter the initial Skynet parameters, namely the electron fraction, and then average the abundances over the different scenarios. The next major step, however, is to set up an experiment that can measure the properties of the top 17 ionization states, such as the lines of each. To do this, we can create a mixture of these and measure the opacity of it.</a:t>
+            </a:r>
+          </a:p>
+          <a:p>
+            <a:pPr algn="ctr"/>
+            <a:r>
+              <a:rPr lang="en-US" sz="5400" b="1" baseline="-25000" dirty="0">
+                <a:solidFill>
+                  <a:srgbClr val="FF0000"/>
+                </a:solidFill>
+                <a:latin typeface="Times New Roman" panose="02020603050405020304" pitchFamily="18" charset="0"/>
+                <a:cs typeface="Times New Roman" panose="02020603050405020304" pitchFamily="18" charset="0"/>
+              </a:rPr>
+              <a:t>Work Cited</a:t>
+            </a:r>
+          </a:p>
+          <a:p>
+            <a:endParaRPr lang="en-US" sz="2000" b="1" baseline="-25000" dirty="0">
+              <a:solidFill>
+                <a:srgbClr val="FF0000"/>
+              </a:solidFill>
+              <a:latin typeface="Times New Roman" panose="02020603050405020304" pitchFamily="18" charset="0"/>
+              <a:cs typeface="Times New Roman" panose="02020603050405020304" pitchFamily="18" charset="0"/>
+            </a:endParaRPr>
+          </a:p>
+          <a:p>
+            <a:pPr marL="342900" indent="-342900">
+              <a:buFont typeface="Arial" panose="020B0604020202020204" pitchFamily="34" charset="0"/>
+              <a:buChar char="•"/>
+            </a:pPr>
+            <a:r>
+              <a:rPr lang="en-US" sz="2000" baseline="30000" dirty="0">
+                <a:latin typeface="Times New Roman" panose="02020603050405020304" pitchFamily="18" charset="0"/>
+                <a:cs typeface="Times New Roman" panose="02020603050405020304" pitchFamily="18" charset="0"/>
+              </a:rPr>
+              <a:t>1</a:t>
+            </a:r>
+            <a:r>
+              <a:rPr lang="en-US" sz="2000" dirty="0">
+                <a:latin typeface="Times New Roman" panose="02020603050405020304" pitchFamily="18" charset="0"/>
+                <a:cs typeface="Times New Roman" panose="02020603050405020304" pitchFamily="18" charset="0"/>
+              </a:rPr>
+              <a:t>Tanvir, N. R., et al. “The Emergence of a Lanthanide-Rich Kilonova Following the Merger of Two Neutron Stars.” </a:t>
+            </a:r>
+            <a:r>
+              <a:rPr lang="en-US" sz="2000" i="1" dirty="0">
+                <a:latin typeface="Times New Roman" panose="02020603050405020304" pitchFamily="18" charset="0"/>
+                <a:cs typeface="Times New Roman" panose="02020603050405020304" pitchFamily="18" charset="0"/>
+              </a:rPr>
+              <a:t>The Astrophysical Journal</a:t>
+            </a:r>
+            <a:r>
+              <a:rPr lang="en-US" sz="2000" dirty="0">
+                <a:latin typeface="Times New Roman" panose="02020603050405020304" pitchFamily="18" charset="0"/>
+                <a:cs typeface="Times New Roman" panose="02020603050405020304" pitchFamily="18" charset="0"/>
+              </a:rPr>
+              <a:t>, vol. 848, no. 2, 2017, doi:10.3847/2041-8213/aa90b6.</a:t>
+            </a:r>
+          </a:p>
+          <a:p>
+            <a:pPr marL="342900" indent="-342900">
+              <a:buFont typeface="Arial" panose="020B0604020202020204" pitchFamily="34" charset="0"/>
+              <a:buChar char="•"/>
+            </a:pPr>
+            <a:r>
+              <a:rPr lang="en-US" sz="2000" baseline="30000" dirty="0">
+                <a:latin typeface="Times New Roman" panose="02020603050405020304" pitchFamily="18" charset="0"/>
+                <a:cs typeface="Times New Roman" panose="02020603050405020304" pitchFamily="18" charset="0"/>
+              </a:rPr>
+              <a:t>2 </a:t>
+            </a:r>
+            <a:r>
+              <a:rPr lang="en-US" sz="2000" dirty="0">
+                <a:latin typeface="Times New Roman" panose="02020603050405020304" pitchFamily="18" charset="0"/>
+                <a:cs typeface="Times New Roman" panose="02020603050405020304" pitchFamily="18" charset="0"/>
+              </a:rPr>
+              <a:t>Kasen, D . Et al. (2017). Origin of the heavy elements in binary neutron-star mergers from a gravitational-wave event. </a:t>
+            </a:r>
+            <a:r>
+              <a:rPr lang="en-US" sz="2000" i="1" dirty="0">
+                <a:latin typeface="Times New Roman" panose="02020603050405020304" pitchFamily="18" charset="0"/>
+                <a:cs typeface="Times New Roman" panose="02020603050405020304" pitchFamily="18" charset="0"/>
+              </a:rPr>
+              <a:t>Nature,551</a:t>
+            </a:r>
+            <a:r>
+              <a:rPr lang="en-US" sz="2000" dirty="0">
+                <a:latin typeface="Times New Roman" panose="02020603050405020304" pitchFamily="18" charset="0"/>
+                <a:cs typeface="Times New Roman" panose="02020603050405020304" pitchFamily="18" charset="0"/>
+              </a:rPr>
+              <a:t>(7678), 80-84. doi:10.1038/nature24453</a:t>
+            </a:r>
+          </a:p>
+          <a:p>
+            <a:pPr marL="342900" indent="-342900">
+              <a:buFont typeface="Arial" panose="020B0604020202020204" pitchFamily="34" charset="0"/>
+              <a:buChar char="•"/>
+            </a:pPr>
+            <a:r>
+              <a:rPr lang="en-US" sz="2000" baseline="30000" dirty="0">
+                <a:latin typeface="Times New Roman" panose="02020603050405020304" pitchFamily="18" charset="0"/>
+                <a:cs typeface="Times New Roman" panose="02020603050405020304" pitchFamily="18" charset="0"/>
+              </a:rPr>
+              <a:t>3</a:t>
+            </a:r>
+            <a:r>
+              <a:rPr lang="en-US" sz="2000" dirty="0">
+                <a:latin typeface="Times New Roman" panose="02020603050405020304" pitchFamily="18" charset="0"/>
+                <a:cs typeface="Times New Roman" panose="02020603050405020304" pitchFamily="18" charset="0"/>
+              </a:rPr>
+              <a:t>Johnson, Jennifer. “Origin of the Elements in the Solar System.” </a:t>
+            </a:r>
+            <a:r>
+              <a:rPr lang="en-US" sz="2000" i="1" dirty="0">
+                <a:latin typeface="Times New Roman" panose="02020603050405020304" pitchFamily="18" charset="0"/>
+                <a:cs typeface="Times New Roman" panose="02020603050405020304" pitchFamily="18" charset="0"/>
+              </a:rPr>
+              <a:t>Science Blog from the SDSS</a:t>
+            </a:r>
+            <a:r>
+              <a:rPr lang="en-US" sz="2000" dirty="0">
+                <a:latin typeface="Times New Roman" panose="02020603050405020304" pitchFamily="18" charset="0"/>
+                <a:cs typeface="Times New Roman" panose="02020603050405020304" pitchFamily="18" charset="0"/>
+              </a:rPr>
+              <a:t>, Sloan Digital Sky Survey, 28 June 2017, blog.sdss.org/2017/01/09/origin-of-the-elements-in-the-solar-system/.</a:t>
+            </a:r>
+          </a:p>
+          <a:p>
+            <a:pPr marL="342900" indent="-342900">
+              <a:buFont typeface="Arial" panose="020B0604020202020204" pitchFamily="34" charset="0"/>
+              <a:buChar char="•"/>
+            </a:pPr>
+            <a:r>
+              <a:rPr lang="en-US" sz="2000" baseline="30000" dirty="0">
+                <a:latin typeface="Times New Roman" panose="02020603050405020304" pitchFamily="18" charset="0"/>
+                <a:cs typeface="Times New Roman" panose="02020603050405020304" pitchFamily="18" charset="0"/>
+              </a:rPr>
+              <a:t>4</a:t>
+            </a:r>
+            <a:r>
+              <a:rPr lang="en-US" sz="2000" dirty="0">
+                <a:latin typeface="Times New Roman" panose="02020603050405020304" pitchFamily="18" charset="0"/>
+                <a:cs typeface="Times New Roman" panose="02020603050405020304" pitchFamily="18" charset="0"/>
+              </a:rPr>
+              <a:t>Lippuner, Jonas, and Luke F. Roberts. “</a:t>
+            </a:r>
+            <a:r>
+              <a:rPr lang="en-US" sz="2000" dirty="0" err="1">
+                <a:latin typeface="Times New Roman" panose="02020603050405020304" pitchFamily="18" charset="0"/>
+                <a:cs typeface="Times New Roman" panose="02020603050405020304" pitchFamily="18" charset="0"/>
+              </a:rPr>
+              <a:t>SkyNet</a:t>
+            </a:r>
+            <a:r>
+              <a:rPr lang="en-US" sz="2000" dirty="0">
+                <a:latin typeface="Times New Roman" panose="02020603050405020304" pitchFamily="18" charset="0"/>
+                <a:cs typeface="Times New Roman" panose="02020603050405020304" pitchFamily="18" charset="0"/>
+              </a:rPr>
+              <a:t>: A Modular Nuclear Reaction Network Library.” The Astrophysical Journal Supplement Series 233.2 (2017): 18. </a:t>
+            </a:r>
+            <a:r>
+              <a:rPr lang="en-US" sz="2000" dirty="0" err="1">
+                <a:latin typeface="Times New Roman" panose="02020603050405020304" pitchFamily="18" charset="0"/>
+                <a:cs typeface="Times New Roman" panose="02020603050405020304" pitchFamily="18" charset="0"/>
+              </a:rPr>
+              <a:t>Crossref</a:t>
+            </a:r>
+            <a:r>
+              <a:rPr lang="en-US" sz="2000" dirty="0">
+                <a:latin typeface="Times New Roman" panose="02020603050405020304" pitchFamily="18" charset="0"/>
+                <a:cs typeface="Times New Roman" panose="02020603050405020304" pitchFamily="18" charset="0"/>
+              </a:rPr>
+              <a:t>. Web.</a:t>
+            </a:r>
+          </a:p>
+          <a:p>
+            <a:pPr marL="342900" indent="-342900">
+              <a:buFont typeface="Arial" panose="020B0604020202020204" pitchFamily="34" charset="0"/>
+              <a:buChar char="•"/>
+            </a:pPr>
+            <a:r>
+              <a:rPr lang="en-US" sz="2000" baseline="30000" dirty="0">
+                <a:latin typeface="Times New Roman" panose="02020603050405020304" pitchFamily="18" charset="0"/>
+                <a:cs typeface="Times New Roman" panose="02020603050405020304" pitchFamily="18" charset="0"/>
+              </a:rPr>
+              <a:t>5</a:t>
+            </a:r>
+            <a:r>
+              <a:rPr lang="en-US" sz="2000" dirty="0">
+                <a:latin typeface="Times New Roman" panose="02020603050405020304" pitchFamily="18" charset="0"/>
+                <a:cs typeface="Times New Roman" panose="02020603050405020304" pitchFamily="18" charset="0"/>
+              </a:rPr>
+              <a:t>Kittel, Charles, and </a:t>
+            </a:r>
+            <a:r>
+              <a:rPr lang="en-US" sz="2000" dirty="0" err="1">
+                <a:latin typeface="Times New Roman" panose="02020603050405020304" pitchFamily="18" charset="0"/>
+                <a:cs typeface="Times New Roman" panose="02020603050405020304" pitchFamily="18" charset="0"/>
+              </a:rPr>
+              <a:t>Krömer</a:t>
+            </a:r>
+            <a:r>
+              <a:rPr lang="en-US" sz="2000" dirty="0">
+                <a:latin typeface="Times New Roman" panose="02020603050405020304" pitchFamily="18" charset="0"/>
+                <a:cs typeface="Times New Roman" panose="02020603050405020304" pitchFamily="18" charset="0"/>
+              </a:rPr>
+              <a:t> Herbert. </a:t>
+            </a:r>
+            <a:r>
+              <a:rPr lang="en-US" sz="2000" i="1" dirty="0">
+                <a:latin typeface="Times New Roman" panose="02020603050405020304" pitchFamily="18" charset="0"/>
+                <a:cs typeface="Times New Roman" panose="02020603050405020304" pitchFamily="18" charset="0"/>
+              </a:rPr>
+              <a:t>Thermal Physics</a:t>
+            </a:r>
+            <a:r>
+              <a:rPr lang="en-US" sz="2000" dirty="0">
+                <a:latin typeface="Times New Roman" panose="02020603050405020304" pitchFamily="18" charset="0"/>
+                <a:cs typeface="Times New Roman" panose="02020603050405020304" pitchFamily="18" charset="0"/>
+              </a:rPr>
+              <a:t>. Freeman, 1980.</a:t>
+            </a:r>
+          </a:p>
+          <a:p>
+            <a:pPr algn="ctr"/>
+            <a:r>
+              <a:rPr lang="en-US" sz="5400" b="1" baseline="-25000" dirty="0">
+                <a:solidFill>
+                  <a:srgbClr val="FF0000"/>
+                </a:solidFill>
+                <a:latin typeface="Times New Roman" panose="02020603050405020304" pitchFamily="18" charset="0"/>
+                <a:cs typeface="Times New Roman" panose="02020603050405020304" pitchFamily="18" charset="0"/>
+              </a:rPr>
+              <a:t>Acknowledgements</a:t>
+            </a:r>
+          </a:p>
+          <a:p>
+            <a:r>
+              <a:rPr lang="en-US" sz="2600" baseline="-25000" dirty="0">
+                <a:latin typeface="Times New Roman" panose="02020603050405020304" pitchFamily="18" charset="0"/>
+                <a:cs typeface="Times New Roman" panose="02020603050405020304" pitchFamily="18" charset="0"/>
+              </a:rPr>
+              <a:t>Jaideep Singh and Luke Roberts</a:t>
+            </a:r>
+          </a:p>
+          <a:p>
+            <a:r>
+              <a:rPr lang="en-US" sz="2600" baseline="-25000" dirty="0">
+                <a:latin typeface="Times New Roman" panose="02020603050405020304" pitchFamily="18" charset="0"/>
+                <a:cs typeface="Times New Roman" panose="02020603050405020304" pitchFamily="18" charset="0"/>
+              </a:rPr>
+              <a:t>This work is supported by Michigan State University, the Honors College of Michigan State University, and the Joint Institute of Nuclear Astrophysics.</a:t>
+            </a:r>
+          </a:p>
+          <a:p>
+            <a:pPr algn="ctr"/>
+            <a:endParaRPr lang="en-US" sz="3600" baseline="-25000" dirty="0">
+              <a:latin typeface="Times New Roman" panose="02020603050405020304" pitchFamily="18" charset="0"/>
+              <a:cs typeface="Times New Roman" panose="02020603050405020304" pitchFamily="18" charset="0"/>
+            </a:endParaRPr>
+          </a:p>
+          <a:p>
+            <a:endParaRPr lang="en-US" sz="3600" baseline="-25000" dirty="0">
+              <a:latin typeface="Times New Roman" panose="02020603050405020304" pitchFamily="18" charset="0"/>
+              <a:cs typeface="Times New Roman" panose="02020603050405020304" pitchFamily="18" charset="0"/>
+            </a:endParaRPr>
+          </a:p>
+          <a:p>
+            <a:endParaRPr lang="en-US" sz="3600" baseline="-25000" dirty="0">
+              <a:latin typeface="Times New Roman" panose="02020603050405020304" pitchFamily="18" charset="0"/>
+              <a:cs typeface="Times New Roman" panose="02020603050405020304" pitchFamily="18" charset="0"/>
+            </a:endParaRPr>
           </a:p>
           <a:p>
             <a:endParaRPr lang="en-US" sz="3600" baseline="-25000" dirty="0">
@@ -5910,12 +6107,106 @@
           </a:fontRef>
         </p:style>
       </p:cxnSp>
+      <p:sp>
+        <p:nvSpPr>
+          <p:cNvPr id="27" name="TextBox 26">
+            <a:extLst>
+              <a:ext uri="{FF2B5EF4-FFF2-40B4-BE49-F238E27FC236}">
+                <a16:creationId xmlns:a16="http://schemas.microsoft.com/office/drawing/2014/main" id="{54485A24-5562-4509-B8D4-274DD71D17E5}"/>
+              </a:ext>
+            </a:extLst>
+          </p:cNvPr>
+          <p:cNvSpPr txBox="1"/>
+          <p:nvPr/>
+        </p:nvSpPr>
+        <p:spPr>
+          <a:xfrm>
+            <a:off x="15736945" y="24998039"/>
+            <a:ext cx="8003442" cy="923330"/>
+          </a:xfrm>
+          <a:prstGeom prst="rect">
+            <a:avLst/>
+          </a:prstGeom>
+          <a:noFill/>
+        </p:spPr>
+        <p:txBody>
+          <a:bodyPr wrap="square" rtlCol="0">
+            <a:spAutoFit/>
+          </a:bodyPr>
+          <a:lstStyle/>
+          <a:p>
+            <a:r>
+              <a:rPr lang="en-US" dirty="0">
+                <a:latin typeface="Times New Roman" panose="02020603050405020304" pitchFamily="18" charset="0"/>
+                <a:cs typeface="Times New Roman" panose="02020603050405020304" pitchFamily="18" charset="0"/>
+              </a:rPr>
+              <a:t>Figure 6: Relative abundance graph of all the lanthanides’ ionization state abundances as a function of time in the merger material. The various colors represent the unique ionization states and the first 17 states are dominant at cool temperatures. </a:t>
+            </a:r>
+          </a:p>
+        </p:txBody>
+      </p:sp>
+      <p:sp>
+        <p:nvSpPr>
+          <p:cNvPr id="18" name="TextBox 17">
+            <a:extLst>
+              <a:ext uri="{FF2B5EF4-FFF2-40B4-BE49-F238E27FC236}">
+                <a16:creationId xmlns:a16="http://schemas.microsoft.com/office/drawing/2014/main" id="{09F37736-A0FA-4807-808A-0053CC101658}"/>
+              </a:ext>
+            </a:extLst>
+          </p:cNvPr>
+          <p:cNvSpPr txBox="1"/>
+          <p:nvPr/>
+        </p:nvSpPr>
+        <p:spPr>
+          <a:xfrm>
+            <a:off x="27268417" y="12582780"/>
+            <a:ext cx="7518278" cy="1231106"/>
+          </a:xfrm>
+          <a:prstGeom prst="rect">
+            <a:avLst/>
+          </a:prstGeom>
+          <a:noFill/>
+        </p:spPr>
+        <p:txBody>
+          <a:bodyPr wrap="square" rtlCol="0">
+            <a:spAutoFit/>
+          </a:bodyPr>
+          <a:lstStyle/>
+          <a:p>
+            <a:r>
+              <a:rPr lang="en-US" dirty="0">
+                <a:latin typeface="Times New Roman" panose="02020603050405020304" pitchFamily="18" charset="0"/>
+                <a:cs typeface="Times New Roman" panose="02020603050405020304" pitchFamily="18" charset="0"/>
+              </a:rPr>
+              <a:t>Figure 7: The isoelectronic states abundances vary greatly over temperature. By using a minimum threshold abundance of 10</a:t>
+            </a:r>
+            <a:r>
+              <a:rPr lang="en-US" sz="2400" baseline="30000" dirty="0">
+                <a:latin typeface="Times New Roman" panose="02020603050405020304" pitchFamily="18" charset="0"/>
+                <a:cs typeface="Times New Roman" panose="02020603050405020304" pitchFamily="18" charset="0"/>
+              </a:rPr>
+              <a:t>-6 </a:t>
+            </a:r>
+            <a:r>
+              <a:rPr lang="en-US" dirty="0">
+                <a:latin typeface="Times New Roman" panose="02020603050405020304" pitchFamily="18" charset="0"/>
+                <a:cs typeface="Times New Roman" panose="02020603050405020304" pitchFamily="18" charset="0"/>
+              </a:rPr>
+              <a:t>,we found the number of isoelectronic states contributing to the number of lines affecting the kilonova light curve to be around 14.</a:t>
+            </a:r>
+            <a:endParaRPr lang="en-US" sz="2000" dirty="0">
+              <a:latin typeface="Times New Roman" panose="02020603050405020304" pitchFamily="18" charset="0"/>
+              <a:cs typeface="Times New Roman" panose="02020603050405020304" pitchFamily="18" charset="0"/>
+            </a:endParaRPr>
+          </a:p>
+        </p:txBody>
+      </p:sp>
       <p:pic>
         <p:nvPicPr>
-          <p:cNvPr id="22" name="Picture 21">
+          <p:cNvPr id="14" name="Picture 13">
             <a:extLst>
               <a:ext uri="{FF2B5EF4-FFF2-40B4-BE49-F238E27FC236}">
-                <a16:creationId xmlns:a16="http://schemas.microsoft.com/office/drawing/2014/main" id="{808058FC-250E-4E8D-B2D4-D7AFE8C7D134}"/>
+                <a16:creationId xmlns:a16="http://schemas.microsoft.com/office/drawing/2014/main" id="{2034CFB0-6403-49AC-9CF6-CDDD1004FA2C}"/>
               </a:ext>
             </a:extLst>
           </p:cNvPr>
@@ -5925,15 +6216,15 @@
           <p:nvPr/>
         </p:nvPicPr>
         <p:blipFill>
-          <a:blip r:embed="rId10"/>
+          <a:blip r:embed="rId7"/>
           <a:stretch>
             <a:fillRect/>
           </a:stretch>
         </p:blipFill>
         <p:spPr>
           <a:xfrm>
-            <a:off x="18879428" y="19762995"/>
-            <a:ext cx="6487230" cy="4322691"/>
+            <a:off x="26810603" y="7588013"/>
+            <a:ext cx="8433907" cy="4994767"/>
           </a:xfrm>
           <a:prstGeom prst="rect">
             <a:avLst/>
@@ -5942,10 +6233,10 @@
       </p:pic>
       <p:sp>
         <p:nvSpPr>
-          <p:cNvPr id="26" name="TextBox 25">
+          <p:cNvPr id="21" name="TextBox 20">
             <a:extLst>
               <a:ext uri="{FF2B5EF4-FFF2-40B4-BE49-F238E27FC236}">
-                <a16:creationId xmlns:a16="http://schemas.microsoft.com/office/drawing/2014/main" id="{4870773C-BAEE-46B4-925D-E2508788D90C}"/>
+                <a16:creationId xmlns:a16="http://schemas.microsoft.com/office/drawing/2014/main" id="{670C8FA1-AC9E-43C2-89C0-E80AA7E1FD74}"/>
               </a:ext>
             </a:extLst>
           </p:cNvPr>
@@ -5954,8 +6245,8 @@
         </p:nvSpPr>
         <p:spPr>
           <a:xfrm>
-            <a:off x="13378226" y="24565717"/>
-            <a:ext cx="5042460" cy="1169551"/>
+            <a:off x="1331491" y="13710068"/>
+            <a:ext cx="10157668" cy="707886"/>
           </a:xfrm>
           <a:prstGeom prst="rect">
             <a:avLst/>
@@ -5969,21 +6260,66 @@
           <a:lstStyle/>
           <a:p>
             <a:r>
-              <a:rPr lang="en-US" sz="1400" dirty="0">
-                <a:latin typeface="Times New Roman" panose="02020603050405020304" pitchFamily="18" charset="0"/>
-                <a:cs typeface="Times New Roman" panose="02020603050405020304" pitchFamily="18" charset="0"/>
-              </a:rPr>
-              <a:t>Figure 5: Relative abundance graph of Samarium(Z=62) as a function of temperature in the merger material. It is relative to the total abundance of the element at any given time. The numerous colors represent the different ionization state abundances, where the blue at low temperatures/late times is for the fully neutral state.  </a:t>
-            </a:r>
-          </a:p>
-        </p:txBody>
-      </p:sp>
-      <p:sp>
-        <p:nvSpPr>
-          <p:cNvPr id="27" name="TextBox 26">
+              <a:rPr lang="en-US" sz="2400" baseline="-25000" dirty="0">
+                <a:latin typeface="Times New Roman" panose="02020603050405020304" pitchFamily="18" charset="0"/>
+                <a:cs typeface="Times New Roman" panose="02020603050405020304" pitchFamily="18" charset="0"/>
+              </a:rPr>
+              <a:t>Figure 1:  Periodic table of the elements color coded by the element source</a:t>
+            </a:r>
+            <a:r>
+              <a:rPr lang="en-US" sz="2400" baseline="30000" dirty="0">
+                <a:latin typeface="Times New Roman" panose="02020603050405020304" pitchFamily="18" charset="0"/>
+                <a:cs typeface="Times New Roman" panose="02020603050405020304" pitchFamily="18" charset="0"/>
+              </a:rPr>
+              <a:t>3</a:t>
+            </a:r>
+            <a:r>
+              <a:rPr lang="en-US" sz="2400" baseline="-25000" dirty="0">
+                <a:latin typeface="Times New Roman" panose="02020603050405020304" pitchFamily="18" charset="0"/>
+                <a:cs typeface="Times New Roman" panose="02020603050405020304" pitchFamily="18" charset="0"/>
+              </a:rPr>
+              <a:t>. Note the trend where most of the elements, starting from Sr to Pu, are mainly created by neutron star mergers. Other contributions come from supernovae.</a:t>
+            </a:r>
+            <a:endParaRPr lang="en-US" sz="2400" dirty="0"/>
+          </a:p>
+        </p:txBody>
+      </p:sp>
+      <p:pic>
+        <p:nvPicPr>
+          <p:cNvPr id="24" name="Picture 23">
             <a:extLst>
               <a:ext uri="{FF2B5EF4-FFF2-40B4-BE49-F238E27FC236}">
-                <a16:creationId xmlns:a16="http://schemas.microsoft.com/office/drawing/2014/main" id="{54485A24-5562-4509-B8D4-274DD71D17E5}"/>
+                <a16:creationId xmlns:a16="http://schemas.microsoft.com/office/drawing/2014/main" id="{2F47DA1D-5FE8-441F-BBB1-F6820F60BB4C}"/>
+              </a:ext>
+            </a:extLst>
+          </p:cNvPr>
+          <p:cNvPicPr>
+            <a:picLocks noChangeAspect="1"/>
+          </p:cNvPicPr>
+          <p:nvPr/>
+        </p:nvPicPr>
+        <p:blipFill>
+          <a:blip r:embed="rId8"/>
+          <a:stretch>
+            <a:fillRect/>
+          </a:stretch>
+        </p:blipFill>
+        <p:spPr>
+          <a:xfrm>
+            <a:off x="7506630" y="19021986"/>
+            <a:ext cx="4749464" cy="5976054"/>
+          </a:xfrm>
+          <a:prstGeom prst="rect">
+            <a:avLst/>
+          </a:prstGeom>
+        </p:spPr>
+      </p:pic>
+      <p:sp>
+        <p:nvSpPr>
+          <p:cNvPr id="29" name="TextBox 28">
+            <a:extLst>
+              <a:ext uri="{FF2B5EF4-FFF2-40B4-BE49-F238E27FC236}">
+                <a16:creationId xmlns:a16="http://schemas.microsoft.com/office/drawing/2014/main" id="{52E3406B-BED3-47A4-8CF3-852291DA057F}"/>
               </a:ext>
             </a:extLst>
           </p:cNvPr>
@@ -5992,8 +6328,8 @@
         </p:nvSpPr>
         <p:spPr>
           <a:xfrm>
-            <a:off x="18879428" y="24551784"/>
-            <a:ext cx="5042460" cy="1169551"/>
+            <a:off x="7019822" y="24998039"/>
+            <a:ext cx="5165493" cy="954107"/>
           </a:xfrm>
           <a:prstGeom prst="rect">
             <a:avLst/>
@@ -6011,11 +6347,291 @@
                 <a:latin typeface="Times New Roman" panose="02020603050405020304" pitchFamily="18" charset="0"/>
                 <a:cs typeface="Times New Roman" panose="02020603050405020304" pitchFamily="18" charset="0"/>
               </a:rPr>
-              <a:t>Figure 6: Relative abundance graph of all the lanthanides’ isoelectronic state abundances as a function of temperature  in the merger material. The various colors represent the unique isoelectronic states and the first 10 to 12 isoelectronic states are dominant at cool temperatures. </a:t>
-            </a:r>
-          </a:p>
-        </p:txBody>
-      </p:sp>
+              <a:t>Figure 3: AB magnitude, or the absolute magnitude based on spectral flux densities, vs the wavelength for the spectra of AT2017gfo across 12 days of observation</a:t>
+            </a:r>
+            <a:r>
+              <a:rPr lang="en-US" sz="1600" baseline="30000" dirty="0">
+                <a:latin typeface="Times New Roman" panose="02020603050405020304" pitchFamily="18" charset="0"/>
+                <a:cs typeface="Times New Roman" panose="02020603050405020304" pitchFamily="18" charset="0"/>
+              </a:rPr>
+              <a:t>1</a:t>
+            </a:r>
+            <a:r>
+              <a:rPr lang="en-US" sz="1400" dirty="0">
+                <a:latin typeface="Times New Roman" panose="02020603050405020304" pitchFamily="18" charset="0"/>
+                <a:cs typeface="Times New Roman" panose="02020603050405020304" pitchFamily="18" charset="0"/>
+              </a:rPr>
+              <a:t>. Note the various color changes in the overall spectra from blue to red since the start of observations.</a:t>
+            </a:r>
+          </a:p>
+        </p:txBody>
+      </p:sp>
+      <p:sp>
+        <p:nvSpPr>
+          <p:cNvPr id="28" name="TextBox 27">
+            <a:extLst>
+              <a:ext uri="{FF2B5EF4-FFF2-40B4-BE49-F238E27FC236}">
+                <a16:creationId xmlns:a16="http://schemas.microsoft.com/office/drawing/2014/main" id="{72212FD8-003B-474E-B9BE-167F99CA0525}"/>
+              </a:ext>
+            </a:extLst>
+          </p:cNvPr>
+          <p:cNvSpPr txBox="1"/>
+          <p:nvPr/>
+        </p:nvSpPr>
+        <p:spPr>
+          <a:xfrm>
+            <a:off x="13538153" y="8555589"/>
+            <a:ext cx="11408337" cy="1015663"/>
+          </a:xfrm>
+          <a:prstGeom prst="rect">
+            <a:avLst/>
+          </a:prstGeom>
+          <a:noFill/>
+        </p:spPr>
+        <p:txBody>
+          <a:bodyPr wrap="square" rtlCol="0">
+            <a:spAutoFit/>
+          </a:bodyPr>
+          <a:lstStyle/>
+          <a:p>
+            <a:r>
+              <a:rPr lang="en-US" dirty="0">
+                <a:latin typeface="Times New Roman" panose="02020603050405020304" pitchFamily="18" charset="0"/>
+                <a:cs typeface="Times New Roman" panose="02020603050405020304" pitchFamily="18" charset="0"/>
+              </a:rPr>
+              <a:t>Equation 1: The Saha equation</a:t>
+            </a:r>
+            <a:r>
+              <a:rPr lang="en-US" baseline="30000" dirty="0">
+                <a:latin typeface="Times New Roman" panose="02020603050405020304" pitchFamily="18" charset="0"/>
+                <a:cs typeface="Times New Roman" panose="02020603050405020304" pitchFamily="18" charset="0"/>
+              </a:rPr>
+              <a:t>5</a:t>
+            </a:r>
+            <a:r>
+              <a:rPr lang="en-US" dirty="0">
+                <a:latin typeface="Times New Roman" panose="02020603050405020304" pitchFamily="18" charset="0"/>
+                <a:cs typeface="Times New Roman" panose="02020603050405020304" pitchFamily="18" charset="0"/>
+              </a:rPr>
+              <a:t> (top) is the backbone of all the ionization state abundance calculations. Y</a:t>
+            </a:r>
+            <a:r>
+              <a:rPr lang="en-US" baseline="-25000" dirty="0">
+                <a:latin typeface="Times New Roman" panose="02020603050405020304" pitchFamily="18" charset="0"/>
+                <a:cs typeface="Times New Roman" panose="02020603050405020304" pitchFamily="18" charset="0"/>
+              </a:rPr>
+              <a:t>Z,I+1 </a:t>
+            </a:r>
+            <a:r>
+              <a:rPr lang="en-US" dirty="0">
+                <a:latin typeface="Times New Roman" panose="02020603050405020304" pitchFamily="18" charset="0"/>
+                <a:cs typeface="Times New Roman" panose="02020603050405020304" pitchFamily="18" charset="0"/>
+              </a:rPr>
+              <a:t>/ Y</a:t>
+            </a:r>
+            <a:r>
+              <a:rPr lang="en-US" baseline="-25000" dirty="0">
+                <a:latin typeface="Times New Roman" panose="02020603050405020304" pitchFamily="18" charset="0"/>
+                <a:cs typeface="Times New Roman" panose="02020603050405020304" pitchFamily="18" charset="0"/>
+              </a:rPr>
+              <a:t>Z</a:t>
+            </a:r>
+            <a:r>
+              <a:rPr lang="en-US" dirty="0">
+                <a:latin typeface="Times New Roman" panose="02020603050405020304" pitchFamily="18" charset="0"/>
+                <a:cs typeface="Times New Roman" panose="02020603050405020304" pitchFamily="18" charset="0"/>
+              </a:rPr>
+              <a:t> refers to the ratio of the Z+1 ionization state abundance to the </a:t>
+            </a:r>
+            <a:r>
+              <a:rPr lang="en-US" dirty="0" err="1">
+                <a:latin typeface="Times New Roman" panose="02020603050405020304" pitchFamily="18" charset="0"/>
+                <a:cs typeface="Times New Roman" panose="02020603050405020304" pitchFamily="18" charset="0"/>
+              </a:rPr>
+              <a:t>Zth</a:t>
+            </a:r>
+            <a:r>
+              <a:rPr lang="en-US" dirty="0">
+                <a:latin typeface="Times New Roman" panose="02020603050405020304" pitchFamily="18" charset="0"/>
+                <a:cs typeface="Times New Roman" panose="02020603050405020304" pitchFamily="18" charset="0"/>
+              </a:rPr>
+              <a:t> ionization state abundance. </a:t>
+            </a:r>
+            <a:r>
+              <a:rPr lang="en-US" dirty="0" err="1">
+                <a:latin typeface="Times New Roman" panose="02020603050405020304" pitchFamily="18" charset="0"/>
+                <a:cs typeface="Times New Roman" panose="02020603050405020304" pitchFamily="18" charset="0"/>
+              </a:rPr>
+              <a:t>Y</a:t>
+            </a:r>
+            <a:r>
+              <a:rPr lang="en-US" sz="2000" baseline="-25000" dirty="0" err="1">
+                <a:latin typeface="Times New Roman" panose="02020603050405020304" pitchFamily="18" charset="0"/>
+                <a:cs typeface="Times New Roman" panose="02020603050405020304" pitchFamily="18" charset="0"/>
+              </a:rPr>
+              <a:t>e,tot</a:t>
+            </a:r>
+            <a:r>
+              <a:rPr lang="en-US" sz="2000" dirty="0">
+                <a:latin typeface="Times New Roman" panose="02020603050405020304" pitchFamily="18" charset="0"/>
+                <a:cs typeface="Times New Roman" panose="02020603050405020304" pitchFamily="18" charset="0"/>
+              </a:rPr>
+              <a:t> </a:t>
+            </a:r>
+            <a:r>
+              <a:rPr lang="en-US" dirty="0">
+                <a:latin typeface="Times New Roman" panose="02020603050405020304" pitchFamily="18" charset="0"/>
+                <a:cs typeface="Times New Roman" panose="02020603050405020304" pitchFamily="18" charset="0"/>
+              </a:rPr>
+              <a:t>is the total electron fraction of the merger material, f is the proportion of the Y</a:t>
+            </a:r>
+            <a:r>
+              <a:rPr lang="en-US" baseline="-25000" dirty="0">
+                <a:latin typeface="Times New Roman" panose="02020603050405020304" pitchFamily="18" charset="0"/>
+                <a:cs typeface="Times New Roman" panose="02020603050405020304" pitchFamily="18" charset="0"/>
+              </a:rPr>
+              <a:t>e</a:t>
+            </a:r>
+            <a:r>
+              <a:rPr lang="en-US" dirty="0">
+                <a:latin typeface="Times New Roman" panose="02020603050405020304" pitchFamily="18" charset="0"/>
+                <a:cs typeface="Times New Roman" panose="02020603050405020304" pitchFamily="18" charset="0"/>
+              </a:rPr>
+              <a:t> that is free, and </a:t>
+            </a:r>
+            <a:r>
+              <a:rPr lang="el-GR" sz="2200" dirty="0">
+                <a:latin typeface="Times New Roman" panose="02020603050405020304" pitchFamily="18" charset="0"/>
+                <a:cs typeface="Times New Roman" panose="02020603050405020304" pitchFamily="18" charset="0"/>
+              </a:rPr>
+              <a:t>χ</a:t>
+            </a:r>
+            <a:r>
+              <a:rPr lang="en-US" sz="2200" baseline="-25000" dirty="0" err="1">
+                <a:latin typeface="Times New Roman" panose="02020603050405020304" pitchFamily="18" charset="0"/>
+                <a:cs typeface="Times New Roman" panose="02020603050405020304" pitchFamily="18" charset="0"/>
+              </a:rPr>
+              <a:t>i</a:t>
+            </a:r>
+            <a:r>
+              <a:rPr lang="en-US" baseline="-25000" dirty="0">
+                <a:latin typeface="Times New Roman" panose="02020603050405020304" pitchFamily="18" charset="0"/>
+                <a:cs typeface="Times New Roman" panose="02020603050405020304" pitchFamily="18" charset="0"/>
+              </a:rPr>
+              <a:t> </a:t>
+            </a:r>
+            <a:r>
+              <a:rPr lang="en-US" dirty="0">
+                <a:latin typeface="Times New Roman" panose="02020603050405020304" pitchFamily="18" charset="0"/>
+                <a:cs typeface="Times New Roman" panose="02020603050405020304" pitchFamily="18" charset="0"/>
+              </a:rPr>
+              <a:t>is the ionization potential of the </a:t>
+            </a:r>
+            <a:r>
+              <a:rPr lang="en-US" dirty="0" err="1">
+                <a:latin typeface="Times New Roman" panose="02020603050405020304" pitchFamily="18" charset="0"/>
+                <a:cs typeface="Times New Roman" panose="02020603050405020304" pitchFamily="18" charset="0"/>
+              </a:rPr>
+              <a:t>ith</a:t>
+            </a:r>
+            <a:r>
+              <a:rPr lang="en-US" dirty="0">
+                <a:latin typeface="Times New Roman" panose="02020603050405020304" pitchFamily="18" charset="0"/>
+                <a:cs typeface="Times New Roman" panose="02020603050405020304" pitchFamily="18" charset="0"/>
+              </a:rPr>
+              <a:t> ionization state</a:t>
+            </a:r>
+          </a:p>
+        </p:txBody>
+      </p:sp>
+      <p:pic>
+        <p:nvPicPr>
+          <p:cNvPr id="32" name="Picture 31">
+            <a:extLst>
+              <a:ext uri="{FF2B5EF4-FFF2-40B4-BE49-F238E27FC236}">
+                <a16:creationId xmlns:a16="http://schemas.microsoft.com/office/drawing/2014/main" id="{FC7BB0A7-7241-4B7E-8612-A7662C35A719}"/>
+              </a:ext>
+            </a:extLst>
+          </p:cNvPr>
+          <p:cNvPicPr>
+            <a:picLocks noChangeAspect="1"/>
+          </p:cNvPicPr>
+          <p:nvPr/>
+        </p:nvPicPr>
+        <p:blipFill rotWithShape="1">
+          <a:blip r:embed="rId9"/>
+          <a:srcRect t="3774"/>
+          <a:stretch/>
+        </p:blipFill>
+        <p:spPr>
+          <a:xfrm>
+            <a:off x="13484812" y="20855553"/>
+            <a:ext cx="10876898" cy="4043192"/>
+          </a:xfrm>
+          <a:prstGeom prst="rect">
+            <a:avLst/>
+          </a:prstGeom>
+        </p:spPr>
+      </p:pic>
+      <p:pic>
+        <p:nvPicPr>
+          <p:cNvPr id="33" name="Picture 32">
+            <a:extLst>
+              <a:ext uri="{FF2B5EF4-FFF2-40B4-BE49-F238E27FC236}">
+                <a16:creationId xmlns:a16="http://schemas.microsoft.com/office/drawing/2014/main" id="{2FEC19F3-187E-459A-976C-7BF36A2C8ABD}"/>
+              </a:ext>
+            </a:extLst>
+          </p:cNvPr>
+          <p:cNvPicPr>
+            <a:picLocks noChangeAspect="1"/>
+          </p:cNvPicPr>
+          <p:nvPr/>
+        </p:nvPicPr>
+        <p:blipFill rotWithShape="1">
+          <a:blip r:embed="rId10"/>
+          <a:srcRect l="3146" r="2154" b="4381"/>
+          <a:stretch/>
+        </p:blipFill>
+        <p:spPr>
+          <a:xfrm>
+            <a:off x="13484812" y="9906399"/>
+            <a:ext cx="6253854" cy="4494859"/>
+          </a:xfrm>
+          <a:prstGeom prst="rect">
+            <a:avLst/>
+          </a:prstGeom>
+        </p:spPr>
+      </p:pic>
+      <p:pic>
+        <p:nvPicPr>
+          <p:cNvPr id="34" name="Picture 33">
+            <a:extLst>
+              <a:ext uri="{FF2B5EF4-FFF2-40B4-BE49-F238E27FC236}">
+                <a16:creationId xmlns:a16="http://schemas.microsoft.com/office/drawing/2014/main" id="{3103FB78-E9B5-4798-BF1B-47573CEF2367}"/>
+              </a:ext>
+            </a:extLst>
+          </p:cNvPr>
+          <p:cNvPicPr>
+            <a:picLocks noChangeAspect="1"/>
+          </p:cNvPicPr>
+          <p:nvPr/>
+        </p:nvPicPr>
+        <p:blipFill>
+          <a:blip r:embed="rId11"/>
+          <a:stretch>
+            <a:fillRect/>
+          </a:stretch>
+        </p:blipFill>
+        <p:spPr>
+          <a:xfrm>
+            <a:off x="20623151" y="10503528"/>
+            <a:ext cx="2928700" cy="1583081"/>
+          </a:xfrm>
+          <a:prstGeom prst="rect">
+            <a:avLst/>
+          </a:prstGeom>
+        </p:spPr>
+      </p:pic>
     </p:spTree>
   </p:cSld>
   <p:clrMapOvr>
